--- a/kien truc chuogn trinh.pptx
+++ b/kien truc chuogn trinh.pptx
@@ -288,7 +288,8 @@
           <a:p>
             <a:fld id="{883097BB-E846-491F-A0C1-915F4743C49C}" type="datetimeFigureOut">
               <a:rPr lang="en-US" smtClean="0"/>
-              <a:t>2/28/2011</a:t>
+              <a:pPr/>
+              <a:t>3/3/2011</a:t>
             </a:fld>
             <a:endParaRPr lang="en-US"/>
           </a:p>
@@ -330,6 +331,7 @@
           <a:p>
             <a:fld id="{EB831984-AAFB-4D4D-8BF8-26A5C8CE8505}" type="slidenum">
               <a:rPr lang="en-US" smtClean="0"/>
+              <a:pPr/>
               <a:t>‹#›</a:t>
             </a:fld>
             <a:endParaRPr lang="en-US"/>
@@ -453,7 +455,8 @@
           <a:p>
             <a:fld id="{883097BB-E846-491F-A0C1-915F4743C49C}" type="datetimeFigureOut">
               <a:rPr lang="en-US" smtClean="0"/>
-              <a:t>2/28/2011</a:t>
+              <a:pPr/>
+              <a:t>3/3/2011</a:t>
             </a:fld>
             <a:endParaRPr lang="en-US"/>
           </a:p>
@@ -495,6 +498,7 @@
           <a:p>
             <a:fld id="{EB831984-AAFB-4D4D-8BF8-26A5C8CE8505}" type="slidenum">
               <a:rPr lang="en-US" smtClean="0"/>
+              <a:pPr/>
               <a:t>‹#›</a:t>
             </a:fld>
             <a:endParaRPr lang="en-US"/>
@@ -628,7 +632,8 @@
           <a:p>
             <a:fld id="{883097BB-E846-491F-A0C1-915F4743C49C}" type="datetimeFigureOut">
               <a:rPr lang="en-US" smtClean="0"/>
-              <a:t>2/28/2011</a:t>
+              <a:pPr/>
+              <a:t>3/3/2011</a:t>
             </a:fld>
             <a:endParaRPr lang="en-US"/>
           </a:p>
@@ -670,6 +675,7 @@
           <a:p>
             <a:fld id="{EB831984-AAFB-4D4D-8BF8-26A5C8CE8505}" type="slidenum">
               <a:rPr lang="en-US" smtClean="0"/>
+              <a:pPr/>
               <a:t>‹#›</a:t>
             </a:fld>
             <a:endParaRPr lang="en-US"/>
@@ -793,7 +799,8 @@
           <a:p>
             <a:fld id="{883097BB-E846-491F-A0C1-915F4743C49C}" type="datetimeFigureOut">
               <a:rPr lang="en-US" smtClean="0"/>
-              <a:t>2/28/2011</a:t>
+              <a:pPr/>
+              <a:t>3/3/2011</a:t>
             </a:fld>
             <a:endParaRPr lang="en-US"/>
           </a:p>
@@ -835,6 +842,7 @@
           <a:p>
             <a:fld id="{EB831984-AAFB-4D4D-8BF8-26A5C8CE8505}" type="slidenum">
               <a:rPr lang="en-US" smtClean="0"/>
+              <a:pPr/>
               <a:t>‹#›</a:t>
             </a:fld>
             <a:endParaRPr lang="en-US"/>
@@ -1034,7 +1042,8 @@
           <a:p>
             <a:fld id="{883097BB-E846-491F-A0C1-915F4743C49C}" type="datetimeFigureOut">
               <a:rPr lang="en-US" smtClean="0"/>
-              <a:t>2/28/2011</a:t>
+              <a:pPr/>
+              <a:t>3/3/2011</a:t>
             </a:fld>
             <a:endParaRPr lang="en-US"/>
           </a:p>
@@ -1076,6 +1085,7 @@
           <a:p>
             <a:fld id="{EB831984-AAFB-4D4D-8BF8-26A5C8CE8505}" type="slidenum">
               <a:rPr lang="en-US" smtClean="0"/>
+              <a:pPr/>
               <a:t>‹#›</a:t>
             </a:fld>
             <a:endParaRPr lang="en-US"/>
@@ -1317,7 +1327,8 @@
           <a:p>
             <a:fld id="{883097BB-E846-491F-A0C1-915F4743C49C}" type="datetimeFigureOut">
               <a:rPr lang="en-US" smtClean="0"/>
-              <a:t>2/28/2011</a:t>
+              <a:pPr/>
+              <a:t>3/3/2011</a:t>
             </a:fld>
             <a:endParaRPr lang="en-US"/>
           </a:p>
@@ -1359,6 +1370,7 @@
           <a:p>
             <a:fld id="{EB831984-AAFB-4D4D-8BF8-26A5C8CE8505}" type="slidenum">
               <a:rPr lang="en-US" smtClean="0"/>
+              <a:pPr/>
               <a:t>‹#›</a:t>
             </a:fld>
             <a:endParaRPr lang="en-US"/>
@@ -1734,7 +1746,8 @@
           <a:p>
             <a:fld id="{883097BB-E846-491F-A0C1-915F4743C49C}" type="datetimeFigureOut">
               <a:rPr lang="en-US" smtClean="0"/>
-              <a:t>2/28/2011</a:t>
+              <a:pPr/>
+              <a:t>3/3/2011</a:t>
             </a:fld>
             <a:endParaRPr lang="en-US"/>
           </a:p>
@@ -1776,6 +1789,7 @@
           <a:p>
             <a:fld id="{EB831984-AAFB-4D4D-8BF8-26A5C8CE8505}" type="slidenum">
               <a:rPr lang="en-US" smtClean="0"/>
+              <a:pPr/>
               <a:t>‹#›</a:t>
             </a:fld>
             <a:endParaRPr lang="en-US"/>
@@ -1847,7 +1861,8 @@
           <a:p>
             <a:fld id="{883097BB-E846-491F-A0C1-915F4743C49C}" type="datetimeFigureOut">
               <a:rPr lang="en-US" smtClean="0"/>
-              <a:t>2/28/2011</a:t>
+              <a:pPr/>
+              <a:t>3/3/2011</a:t>
             </a:fld>
             <a:endParaRPr lang="en-US"/>
           </a:p>
@@ -1889,6 +1904,7 @@
           <a:p>
             <a:fld id="{EB831984-AAFB-4D4D-8BF8-26A5C8CE8505}" type="slidenum">
               <a:rPr lang="en-US" smtClean="0"/>
+              <a:pPr/>
               <a:t>‹#›</a:t>
             </a:fld>
             <a:endParaRPr lang="en-US"/>
@@ -1937,7 +1953,8 @@
           <a:p>
             <a:fld id="{883097BB-E846-491F-A0C1-915F4743C49C}" type="datetimeFigureOut">
               <a:rPr lang="en-US" smtClean="0"/>
-              <a:t>2/28/2011</a:t>
+              <a:pPr/>
+              <a:t>3/3/2011</a:t>
             </a:fld>
             <a:endParaRPr lang="en-US"/>
           </a:p>
@@ -1979,6 +1996,7 @@
           <a:p>
             <a:fld id="{EB831984-AAFB-4D4D-8BF8-26A5C8CE8505}" type="slidenum">
               <a:rPr lang="en-US" smtClean="0"/>
+              <a:pPr/>
               <a:t>‹#›</a:t>
             </a:fld>
             <a:endParaRPr lang="en-US"/>
@@ -2209,7 +2227,8 @@
           <a:p>
             <a:fld id="{883097BB-E846-491F-A0C1-915F4743C49C}" type="datetimeFigureOut">
               <a:rPr lang="en-US" smtClean="0"/>
-              <a:t>2/28/2011</a:t>
+              <a:pPr/>
+              <a:t>3/3/2011</a:t>
             </a:fld>
             <a:endParaRPr lang="en-US"/>
           </a:p>
@@ -2251,6 +2270,7 @@
           <a:p>
             <a:fld id="{EB831984-AAFB-4D4D-8BF8-26A5C8CE8505}" type="slidenum">
               <a:rPr lang="en-US" smtClean="0"/>
+              <a:pPr/>
               <a:t>‹#›</a:t>
             </a:fld>
             <a:endParaRPr lang="en-US"/>
@@ -2457,7 +2477,8 @@
           <a:p>
             <a:fld id="{883097BB-E846-491F-A0C1-915F4743C49C}" type="datetimeFigureOut">
               <a:rPr lang="en-US" smtClean="0"/>
-              <a:t>2/28/2011</a:t>
+              <a:pPr/>
+              <a:t>3/3/2011</a:t>
             </a:fld>
             <a:endParaRPr lang="en-US"/>
           </a:p>
@@ -2499,6 +2520,7 @@
           <a:p>
             <a:fld id="{EB831984-AAFB-4D4D-8BF8-26A5C8CE8505}" type="slidenum">
               <a:rPr lang="en-US" smtClean="0"/>
+              <a:pPr/>
               <a:t>‹#›</a:t>
             </a:fld>
             <a:endParaRPr lang="en-US"/>
@@ -2665,7 +2687,8 @@
           <a:p>
             <a:fld id="{883097BB-E846-491F-A0C1-915F4743C49C}" type="datetimeFigureOut">
               <a:rPr lang="en-US" smtClean="0"/>
-              <a:t>2/28/2011</a:t>
+              <a:pPr/>
+              <a:t>3/3/2011</a:t>
             </a:fld>
             <a:endParaRPr lang="en-US"/>
           </a:p>
@@ -2743,6 +2766,7 @@
           <a:p>
             <a:fld id="{EB831984-AAFB-4D4D-8BF8-26A5C8CE8505}" type="slidenum">
               <a:rPr lang="en-US" smtClean="0"/>
+              <a:pPr/>
               <a:t>‹#›</a:t>
             </a:fld>
             <a:endParaRPr lang="en-US"/>
@@ -3037,16 +3061,16 @@
       </p:grpSpPr>
       <p:grpSp>
         <p:nvGrpSpPr>
-          <p:cNvPr id="38" name="Group 37"/>
+          <p:cNvPr id="45" name="Group 44"/>
           <p:cNvGrpSpPr/>
           <p:nvPr/>
         </p:nvGrpSpPr>
         <p:grpSpPr>
           <a:xfrm>
-            <a:off x="228600" y="304800"/>
-            <a:ext cx="8001000" cy="5105400"/>
-            <a:chOff x="228600" y="304800"/>
-            <a:chExt cx="8001000" cy="5105400"/>
+            <a:off x="381000" y="152400"/>
+            <a:ext cx="8001000" cy="6553200"/>
+            <a:chOff x="381000" y="152400"/>
+            <a:chExt cx="8001000" cy="6553200"/>
           </a:xfrm>
         </p:grpSpPr>
         <p:sp>
@@ -3057,7 +3081,7 @@
           </p:nvSpPr>
           <p:spPr>
             <a:xfrm>
-              <a:off x="381000" y="304800"/>
+              <a:off x="533400" y="1600200"/>
               <a:ext cx="762000" cy="762000"/>
             </a:xfrm>
             <a:prstGeom prst="flowChartMagneticDisk">
@@ -3110,7 +3134,7 @@
           </p:nvSpPr>
           <p:spPr>
             <a:xfrm>
-              <a:off x="2209800" y="381000"/>
+              <a:off x="2362200" y="1676400"/>
               <a:ext cx="1066800" cy="685800"/>
             </a:xfrm>
             <a:prstGeom prst="rect">
@@ -3267,7 +3291,7 @@
           </p:nvSpPr>
           <p:spPr>
             <a:xfrm>
-              <a:off x="6934200" y="457200"/>
+              <a:off x="7086600" y="1752600"/>
               <a:ext cx="1295400" cy="762000"/>
             </a:xfrm>
             <a:prstGeom prst="flowChartMultidocument">
@@ -3364,7 +3388,7 @@
           </p:nvSpPr>
           <p:spPr>
             <a:xfrm>
-              <a:off x="4267200" y="1828800"/>
+              <a:off x="4419600" y="3124200"/>
               <a:ext cx="1143000" cy="762000"/>
             </a:xfrm>
             <a:prstGeom prst="rect">
@@ -3521,7 +3545,7 @@
           </p:nvSpPr>
           <p:spPr>
             <a:xfrm>
-              <a:off x="4267200" y="3276600"/>
+              <a:off x="4419600" y="4572000"/>
               <a:ext cx="1143000" cy="609600"/>
             </a:xfrm>
             <a:prstGeom prst="rect">
@@ -3638,7 +3662,7 @@
           </p:nvSpPr>
           <p:spPr>
             <a:xfrm>
-              <a:off x="4267200" y="4648200"/>
+              <a:off x="4419600" y="5943600"/>
               <a:ext cx="1143000" cy="609600"/>
             </a:xfrm>
             <a:prstGeom prst="rect">
@@ -3695,7 +3719,7 @@
           </p:nvSpPr>
           <p:spPr>
             <a:xfrm>
-              <a:off x="4419600" y="381000"/>
+              <a:off x="4572000" y="1676400"/>
               <a:ext cx="1066800" cy="762000"/>
             </a:xfrm>
             <a:prstGeom prst="flowChartMultidocument">
@@ -3752,7 +3776,7 @@
           </p:nvSpPr>
           <p:spPr>
             <a:xfrm>
-              <a:off x="6934200" y="1752600"/>
+              <a:off x="7086600" y="3048000"/>
               <a:ext cx="1143000" cy="762000"/>
             </a:xfrm>
             <a:prstGeom prst="rect">
@@ -3909,7 +3933,7 @@
           </p:nvSpPr>
           <p:spPr>
             <a:xfrm>
-              <a:off x="6934200" y="3200400"/>
+              <a:off x="7086600" y="4495800"/>
               <a:ext cx="1143000" cy="762000"/>
             </a:xfrm>
             <a:prstGeom prst="rect">
@@ -4036,7 +4060,7 @@
           </p:nvSpPr>
           <p:spPr>
             <a:xfrm>
-              <a:off x="6858000" y="4572000"/>
+              <a:off x="7010400" y="5867400"/>
               <a:ext cx="1219200" cy="762000"/>
             </a:xfrm>
             <a:prstGeom prst="rect">
@@ -4093,7 +4117,7 @@
           </p:nvSpPr>
           <p:spPr>
             <a:xfrm>
-              <a:off x="2133600" y="4572000"/>
+              <a:off x="2286000" y="5867400"/>
               <a:ext cx="1219200" cy="838200"/>
             </a:xfrm>
             <a:prstGeom prst="flowChartMultidocument">
@@ -4190,7 +4214,7 @@
           </p:nvSpPr>
           <p:spPr>
             <a:xfrm>
-              <a:off x="228600" y="4038600"/>
+              <a:off x="381000" y="5334000"/>
               <a:ext cx="1143000" cy="609600"/>
             </a:xfrm>
             <a:prstGeom prst="rect">
@@ -4307,7 +4331,7 @@
           </p:nvSpPr>
           <p:spPr>
             <a:xfrm>
-              <a:off x="228600" y="2438400"/>
+              <a:off x="381000" y="3733800"/>
               <a:ext cx="1295400" cy="609600"/>
             </a:xfrm>
             <a:prstGeom prst="rect">
@@ -4422,7 +4446,7 @@
           </p:blipFill>
           <p:spPr>
             <a:xfrm>
-              <a:off x="2286001" y="2057400"/>
+              <a:off x="2438401" y="3352800"/>
               <a:ext cx="1046708" cy="838200"/>
             </a:xfrm>
             <a:prstGeom prst="rect">
@@ -4438,7 +4462,7 @@
           </p:nvSpPr>
           <p:spPr>
             <a:xfrm>
-              <a:off x="1219200" y="685800"/>
+              <a:off x="1371600" y="1981200"/>
               <a:ext cx="914400" cy="152400"/>
             </a:xfrm>
             <a:prstGeom prst="rightArrow">
@@ -4478,7 +4502,7 @@
           </p:nvSpPr>
           <p:spPr>
             <a:xfrm>
-              <a:off x="3352800" y="685800"/>
+              <a:off x="3505200" y="1981200"/>
               <a:ext cx="990600" cy="152400"/>
             </a:xfrm>
             <a:prstGeom prst="rightArrow">
@@ -4518,7 +4542,7 @@
           </p:nvSpPr>
           <p:spPr>
             <a:xfrm>
-              <a:off x="2667000" y="1143000"/>
+              <a:off x="2819400" y="2438400"/>
               <a:ext cx="213362" cy="838200"/>
             </a:xfrm>
             <a:prstGeom prst="upArrow">
@@ -4558,7 +4582,7 @@
           </p:nvSpPr>
           <p:spPr>
             <a:xfrm flipH="1">
-              <a:off x="4800600" y="1143000"/>
+              <a:off x="4953000" y="2438400"/>
               <a:ext cx="152400" cy="609600"/>
             </a:xfrm>
             <a:prstGeom prst="downArrow">
@@ -4598,7 +4622,7 @@
           </p:nvSpPr>
           <p:spPr>
             <a:xfrm flipH="1">
-              <a:off x="4724400" y="2667000"/>
+              <a:off x="4876800" y="3962400"/>
               <a:ext cx="152400" cy="609600"/>
             </a:xfrm>
             <a:prstGeom prst="downArrow">
@@ -4638,7 +4662,7 @@
           </p:nvSpPr>
           <p:spPr>
             <a:xfrm flipH="1">
-              <a:off x="4724400" y="3962400"/>
+              <a:off x="4876800" y="5257800"/>
               <a:ext cx="152400" cy="609600"/>
             </a:xfrm>
             <a:prstGeom prst="downArrow">
@@ -4678,7 +4702,7 @@
           </p:nvSpPr>
           <p:spPr>
             <a:xfrm>
-              <a:off x="3429000" y="4876800"/>
+              <a:off x="3581400" y="6172200"/>
               <a:ext cx="762000" cy="152400"/>
             </a:xfrm>
             <a:prstGeom prst="leftArrow">
@@ -4718,7 +4742,7 @@
           </p:nvSpPr>
           <p:spPr>
             <a:xfrm rot="1185014">
-              <a:off x="1390053" y="4757349"/>
+              <a:off x="1542453" y="6052749"/>
               <a:ext cx="685800" cy="228600"/>
             </a:xfrm>
             <a:prstGeom prst="leftArrow">
@@ -4758,7 +4782,7 @@
           </p:nvSpPr>
           <p:spPr>
             <a:xfrm>
-              <a:off x="762000" y="3124200"/>
+              <a:off x="914400" y="4419600"/>
               <a:ext cx="228600" cy="838200"/>
             </a:xfrm>
             <a:prstGeom prst="upArrow">
@@ -4798,7 +4822,7 @@
           </p:nvSpPr>
           <p:spPr>
             <a:xfrm>
-              <a:off x="685800" y="1143000"/>
+              <a:off x="838200" y="2438400"/>
               <a:ext cx="228600" cy="1295400"/>
             </a:xfrm>
             <a:prstGeom prst="upArrow">
@@ -4838,7 +4862,7 @@
           </p:nvSpPr>
           <p:spPr>
             <a:xfrm>
-              <a:off x="1600200" y="2590800"/>
+              <a:off x="1752600" y="3886200"/>
               <a:ext cx="838200" cy="152400"/>
             </a:xfrm>
             <a:prstGeom prst="leftArrow">
@@ -4878,7 +4902,7 @@
           </p:nvSpPr>
           <p:spPr>
             <a:xfrm>
-              <a:off x="7467600" y="1219200"/>
+              <a:off x="7620000" y="2514600"/>
               <a:ext cx="228600" cy="533400"/>
             </a:xfrm>
             <a:prstGeom prst="downArrow">
@@ -4918,7 +4942,7 @@
           </p:nvSpPr>
           <p:spPr>
             <a:xfrm>
-              <a:off x="7391400" y="2590800"/>
+              <a:off x="7543800" y="3886200"/>
               <a:ext cx="228600" cy="533400"/>
             </a:xfrm>
             <a:prstGeom prst="downArrow">
@@ -4958,7 +4982,7 @@
           </p:nvSpPr>
           <p:spPr>
             <a:xfrm>
-              <a:off x="7391400" y="3962400"/>
+              <a:off x="7543800" y="5257800"/>
               <a:ext cx="228600" cy="609600"/>
             </a:xfrm>
             <a:prstGeom prst="downArrow">
@@ -4998,10 +5022,103 @@
           </p:nvSpPr>
           <p:spPr>
             <a:xfrm>
-              <a:off x="5486400" y="4800600"/>
+              <a:off x="5638800" y="6096000"/>
               <a:ext cx="1295400" cy="228600"/>
             </a:xfrm>
             <a:prstGeom prst="leftArrow">
+              <a:avLst/>
+            </a:prstGeom>
+          </p:spPr>
+          <p:style>
+            <a:lnRef idx="2">
+              <a:schemeClr val="accent1">
+                <a:shade val="50000"/>
+              </a:schemeClr>
+            </a:lnRef>
+            <a:fillRef idx="1">
+              <a:schemeClr val="accent1"/>
+            </a:fillRef>
+            <a:effectRef idx="0">
+              <a:schemeClr val="accent1"/>
+            </a:effectRef>
+            <a:fontRef idx="minor">
+              <a:schemeClr val="lt1"/>
+            </a:fontRef>
+          </p:style>
+          <p:txBody>
+            <a:bodyPr rtlCol="0" anchor="ctr"/>
+            <a:lstStyle/>
+            <a:p>
+              <a:pPr algn="ctr"/>
+              <a:endParaRPr lang="en-US"/>
+            </a:p>
+          </p:txBody>
+        </p:sp>
+        <p:sp>
+          <p:nvSpPr>
+            <p:cNvPr id="39" name="Cloud 38"/>
+            <p:cNvSpPr/>
+            <p:nvPr/>
+          </p:nvSpPr>
+          <p:spPr>
+            <a:xfrm>
+              <a:off x="2971800" y="152400"/>
+              <a:ext cx="1752600" cy="990600"/>
+            </a:xfrm>
+            <a:prstGeom prst="cloud">
+              <a:avLst/>
+            </a:prstGeom>
+            <a:noFill/>
+          </p:spPr>
+          <p:style>
+            <a:lnRef idx="2">
+              <a:schemeClr val="accent1">
+                <a:shade val="50000"/>
+              </a:schemeClr>
+            </a:lnRef>
+            <a:fillRef idx="1">
+              <a:schemeClr val="accent1"/>
+            </a:fillRef>
+            <a:effectRef idx="0">
+              <a:schemeClr val="accent1"/>
+            </a:effectRef>
+            <a:fontRef idx="minor">
+              <a:schemeClr val="lt1"/>
+            </a:fontRef>
+          </p:style>
+          <p:txBody>
+            <a:bodyPr rtlCol="0" anchor="ctr"/>
+            <a:lstStyle/>
+            <a:p>
+              <a:pPr algn="ctr"/>
+              <a:r>
+                <a:rPr lang="en-US" dirty="0" smtClean="0">
+                  <a:solidFill>
+                    <a:schemeClr val="tx1"/>
+                  </a:solidFill>
+                </a:rPr>
+                <a:t>Internet</a:t>
+              </a:r>
+              <a:endParaRPr lang="en-US" dirty="0">
+                <a:solidFill>
+                  <a:schemeClr val="tx1"/>
+                </a:solidFill>
+              </a:endParaRPr>
+            </a:p>
+          </p:txBody>
+        </p:sp>
+        <p:sp>
+          <p:nvSpPr>
+            <p:cNvPr id="44" name="Left-Right Arrow 43"/>
+            <p:cNvSpPr/>
+            <p:nvPr/>
+          </p:nvSpPr>
+          <p:spPr>
+            <a:xfrm rot="18988734">
+              <a:off x="2680780" y="1328858"/>
+              <a:ext cx="819287" cy="145748"/>
+            </a:xfrm>
+            <a:prstGeom prst="leftRightArrow">
               <a:avLst/>
             </a:prstGeom>
           </p:spPr>

--- a/kien truc chuogn trinh.pptx
+++ b/kien truc chuogn trinh.pptx
@@ -289,7 +289,7 @@
             <a:fld id="{883097BB-E846-491F-A0C1-915F4743C49C}" type="datetimeFigureOut">
               <a:rPr lang="en-US" smtClean="0"/>
               <a:pPr/>
-              <a:t>3/3/2011</a:t>
+              <a:t>3/4/2011</a:t>
             </a:fld>
             <a:endParaRPr lang="en-US"/>
           </a:p>
@@ -456,7 +456,7 @@
             <a:fld id="{883097BB-E846-491F-A0C1-915F4743C49C}" type="datetimeFigureOut">
               <a:rPr lang="en-US" smtClean="0"/>
               <a:pPr/>
-              <a:t>3/3/2011</a:t>
+              <a:t>3/4/2011</a:t>
             </a:fld>
             <a:endParaRPr lang="en-US"/>
           </a:p>
@@ -633,7 +633,7 @@
             <a:fld id="{883097BB-E846-491F-A0C1-915F4743C49C}" type="datetimeFigureOut">
               <a:rPr lang="en-US" smtClean="0"/>
               <a:pPr/>
-              <a:t>3/3/2011</a:t>
+              <a:t>3/4/2011</a:t>
             </a:fld>
             <a:endParaRPr lang="en-US"/>
           </a:p>
@@ -800,7 +800,7 @@
             <a:fld id="{883097BB-E846-491F-A0C1-915F4743C49C}" type="datetimeFigureOut">
               <a:rPr lang="en-US" smtClean="0"/>
               <a:pPr/>
-              <a:t>3/3/2011</a:t>
+              <a:t>3/4/2011</a:t>
             </a:fld>
             <a:endParaRPr lang="en-US"/>
           </a:p>
@@ -1043,7 +1043,7 @@
             <a:fld id="{883097BB-E846-491F-A0C1-915F4743C49C}" type="datetimeFigureOut">
               <a:rPr lang="en-US" smtClean="0"/>
               <a:pPr/>
-              <a:t>3/3/2011</a:t>
+              <a:t>3/4/2011</a:t>
             </a:fld>
             <a:endParaRPr lang="en-US"/>
           </a:p>
@@ -1328,7 +1328,7 @@
             <a:fld id="{883097BB-E846-491F-A0C1-915F4743C49C}" type="datetimeFigureOut">
               <a:rPr lang="en-US" smtClean="0"/>
               <a:pPr/>
-              <a:t>3/3/2011</a:t>
+              <a:t>3/4/2011</a:t>
             </a:fld>
             <a:endParaRPr lang="en-US"/>
           </a:p>
@@ -1747,7 +1747,7 @@
             <a:fld id="{883097BB-E846-491F-A0C1-915F4743C49C}" type="datetimeFigureOut">
               <a:rPr lang="en-US" smtClean="0"/>
               <a:pPr/>
-              <a:t>3/3/2011</a:t>
+              <a:t>3/4/2011</a:t>
             </a:fld>
             <a:endParaRPr lang="en-US"/>
           </a:p>
@@ -1862,7 +1862,7 @@
             <a:fld id="{883097BB-E846-491F-A0C1-915F4743C49C}" type="datetimeFigureOut">
               <a:rPr lang="en-US" smtClean="0"/>
               <a:pPr/>
-              <a:t>3/3/2011</a:t>
+              <a:t>3/4/2011</a:t>
             </a:fld>
             <a:endParaRPr lang="en-US"/>
           </a:p>
@@ -1954,7 +1954,7 @@
             <a:fld id="{883097BB-E846-491F-A0C1-915F4743C49C}" type="datetimeFigureOut">
               <a:rPr lang="en-US" smtClean="0"/>
               <a:pPr/>
-              <a:t>3/3/2011</a:t>
+              <a:t>3/4/2011</a:t>
             </a:fld>
             <a:endParaRPr lang="en-US"/>
           </a:p>
@@ -2228,7 +2228,7 @@
             <a:fld id="{883097BB-E846-491F-A0C1-915F4743C49C}" type="datetimeFigureOut">
               <a:rPr lang="en-US" smtClean="0"/>
               <a:pPr/>
-              <a:t>3/3/2011</a:t>
+              <a:t>3/4/2011</a:t>
             </a:fld>
             <a:endParaRPr lang="en-US"/>
           </a:p>
@@ -2478,7 +2478,7 @@
             <a:fld id="{883097BB-E846-491F-A0C1-915F4743C49C}" type="datetimeFigureOut">
               <a:rPr lang="en-US" smtClean="0"/>
               <a:pPr/>
-              <a:t>3/3/2011</a:t>
+              <a:t>3/4/2011</a:t>
             </a:fld>
             <a:endParaRPr lang="en-US"/>
           </a:p>
@@ -2688,7 +2688,7 @@
             <a:fld id="{883097BB-E846-491F-A0C1-915F4743C49C}" type="datetimeFigureOut">
               <a:rPr lang="en-US" smtClean="0"/>
               <a:pPr/>
-              <a:t>3/3/2011</a:t>
+              <a:t>3/4/2011</a:t>
             </a:fld>
             <a:endParaRPr lang="en-US"/>
           </a:p>
@@ -3061,7 +3061,7 @@
       </p:grpSpPr>
       <p:grpSp>
         <p:nvGrpSpPr>
-          <p:cNvPr id="45" name="Group 44"/>
+          <p:cNvPr id="41" name="Group 40"/>
           <p:cNvGrpSpPr/>
           <p:nvPr/>
         </p:nvGrpSpPr>
@@ -3073,2052 +3073,2167 @@
             <a:chExt cx="8001000" cy="6553200"/>
           </a:xfrm>
         </p:grpSpPr>
+        <p:grpSp>
+          <p:nvGrpSpPr>
+            <p:cNvPr id="45" name="Group 44"/>
+            <p:cNvGrpSpPr/>
+            <p:nvPr/>
+          </p:nvGrpSpPr>
+          <p:grpSpPr>
+            <a:xfrm>
+              <a:off x="381000" y="152400"/>
+              <a:ext cx="8001000" cy="6553200"/>
+              <a:chOff x="381000" y="152400"/>
+              <a:chExt cx="8001000" cy="6553200"/>
+            </a:xfrm>
+          </p:grpSpPr>
+          <p:sp>
+            <p:nvSpPr>
+              <p:cNvPr id="4" name="Flowchart: Magnetic Disk 3"/>
+              <p:cNvSpPr/>
+              <p:nvPr/>
+            </p:nvSpPr>
+            <p:spPr>
+              <a:xfrm>
+                <a:off x="533400" y="1600200"/>
+                <a:ext cx="762000" cy="762000"/>
+              </a:xfrm>
+              <a:prstGeom prst="flowChartMagneticDisk">
+                <a:avLst/>
+              </a:prstGeom>
+              <a:noFill/>
+            </p:spPr>
+            <p:style>
+              <a:lnRef idx="2">
+                <a:schemeClr val="accent1">
+                  <a:shade val="50000"/>
+                </a:schemeClr>
+              </a:lnRef>
+              <a:fillRef idx="1">
+                <a:schemeClr val="accent1"/>
+              </a:fillRef>
+              <a:effectRef idx="0">
+                <a:schemeClr val="accent1"/>
+              </a:effectRef>
+              <a:fontRef idx="minor">
+                <a:schemeClr val="lt1"/>
+              </a:fontRef>
+            </p:style>
+            <p:txBody>
+              <a:bodyPr rtlCol="0" anchor="ctr"/>
+              <a:lstStyle/>
+              <a:p>
+                <a:pPr algn="ctr"/>
+                <a:r>
+                  <a:rPr lang="en-US" b="1" dirty="0" smtClean="0">
+                    <a:solidFill>
+                      <a:schemeClr val="tx1"/>
+                    </a:solidFill>
+                  </a:rPr>
+                  <a:t>OVIT</a:t>
+                </a:r>
+                <a:endParaRPr lang="en-US" b="1" dirty="0">
+                  <a:solidFill>
+                    <a:schemeClr val="tx1"/>
+                  </a:solidFill>
+                </a:endParaRPr>
+              </a:p>
+            </p:txBody>
+          </p:sp>
+          <p:sp>
+            <p:nvSpPr>
+              <p:cNvPr id="5" name="Rectangle 4"/>
+              <p:cNvSpPr/>
+              <p:nvPr/>
+            </p:nvSpPr>
+            <p:spPr>
+              <a:xfrm>
+                <a:off x="2362200" y="1676400"/>
+                <a:ext cx="1066800" cy="685800"/>
+              </a:xfrm>
+              <a:prstGeom prst="rect">
+                <a:avLst/>
+              </a:prstGeom>
+              <a:noFill/>
+            </p:spPr>
+            <p:style>
+              <a:lnRef idx="2">
+                <a:schemeClr val="accent1">
+                  <a:shade val="50000"/>
+                </a:schemeClr>
+              </a:lnRef>
+              <a:fillRef idx="1">
+                <a:schemeClr val="accent1"/>
+              </a:fillRef>
+              <a:effectRef idx="0">
+                <a:schemeClr val="accent1"/>
+              </a:effectRef>
+              <a:fontRef idx="minor">
+                <a:schemeClr val="lt1"/>
+              </a:fontRef>
+            </p:style>
+            <p:txBody>
+              <a:bodyPr rtlCol="0" anchor="ctr"/>
+              <a:lstStyle/>
+              <a:p>
+                <a:pPr algn="ctr"/>
+                <a:r>
+                  <a:rPr lang="en-US" sz="1400" dirty="0" err="1" smtClean="0">
+                    <a:solidFill>
+                      <a:schemeClr val="tx1"/>
+                    </a:solidFill>
+                    <a:latin typeface="Times New Roman" pitchFamily="18" charset="0"/>
+                    <a:cs typeface="Times New Roman" pitchFamily="18" charset="0"/>
+                  </a:rPr>
+                  <a:t>Tìm</a:t>
+                </a:r>
+                <a:r>
+                  <a:rPr lang="en-US" sz="1400" dirty="0" smtClean="0">
+                    <a:solidFill>
+                      <a:schemeClr val="tx1"/>
+                    </a:solidFill>
+                    <a:latin typeface="Times New Roman" pitchFamily="18" charset="0"/>
+                    <a:cs typeface="Times New Roman" pitchFamily="18" charset="0"/>
+                  </a:rPr>
+                  <a:t> </a:t>
+                </a:r>
+                <a:r>
+                  <a:rPr lang="en-US" sz="1400" dirty="0" err="1" smtClean="0">
+                    <a:solidFill>
+                      <a:schemeClr val="tx1"/>
+                    </a:solidFill>
+                    <a:latin typeface="Times New Roman" pitchFamily="18" charset="0"/>
+                    <a:cs typeface="Times New Roman" pitchFamily="18" charset="0"/>
+                  </a:rPr>
+                  <a:t>kiếm</a:t>
+                </a:r>
+                <a:r>
+                  <a:rPr lang="en-US" sz="1400" dirty="0" smtClean="0">
+                    <a:solidFill>
+                      <a:schemeClr val="tx1"/>
+                    </a:solidFill>
+                    <a:latin typeface="Times New Roman" pitchFamily="18" charset="0"/>
+                    <a:cs typeface="Times New Roman" pitchFamily="18" charset="0"/>
+                  </a:rPr>
+                  <a:t> </a:t>
+                </a:r>
+                <a:r>
+                  <a:rPr lang="en-US" sz="1400" dirty="0" err="1" smtClean="0">
+                    <a:solidFill>
+                      <a:schemeClr val="tx1"/>
+                    </a:solidFill>
+                    <a:latin typeface="Times New Roman" pitchFamily="18" charset="0"/>
+                    <a:cs typeface="Times New Roman" pitchFamily="18" charset="0"/>
+                  </a:rPr>
+                  <a:t>tài</a:t>
+                </a:r>
+                <a:r>
+                  <a:rPr lang="en-US" sz="1400" dirty="0" smtClean="0">
+                    <a:solidFill>
+                      <a:schemeClr val="tx1"/>
+                    </a:solidFill>
+                    <a:latin typeface="Times New Roman" pitchFamily="18" charset="0"/>
+                    <a:cs typeface="Times New Roman" pitchFamily="18" charset="0"/>
+                  </a:rPr>
+                  <a:t> </a:t>
+                </a:r>
+                <a:r>
+                  <a:rPr lang="en-US" sz="1400" dirty="0" err="1" smtClean="0">
+                    <a:solidFill>
+                      <a:schemeClr val="tx1"/>
+                    </a:solidFill>
+                    <a:latin typeface="Times New Roman" pitchFamily="18" charset="0"/>
+                    <a:cs typeface="Times New Roman" pitchFamily="18" charset="0"/>
+                  </a:rPr>
+                  <a:t>liệu</a:t>
+                </a:r>
+                <a:r>
+                  <a:rPr lang="en-US" sz="1400" dirty="0" smtClean="0">
+                    <a:solidFill>
+                      <a:schemeClr val="tx1"/>
+                    </a:solidFill>
+                    <a:latin typeface="Times New Roman" pitchFamily="18" charset="0"/>
+                    <a:cs typeface="Times New Roman" pitchFamily="18" charset="0"/>
+                  </a:rPr>
+                  <a:t> </a:t>
+                </a:r>
+                <a:r>
+                  <a:rPr lang="en-US" sz="1400" dirty="0" err="1" smtClean="0">
+                    <a:solidFill>
+                      <a:schemeClr val="tx1"/>
+                    </a:solidFill>
+                    <a:latin typeface="Times New Roman" pitchFamily="18" charset="0"/>
+                    <a:cs typeface="Times New Roman" pitchFamily="18" charset="0"/>
+                  </a:rPr>
+                  <a:t>liên</a:t>
+                </a:r>
+                <a:r>
+                  <a:rPr lang="en-US" sz="1400" dirty="0" smtClean="0">
+                    <a:solidFill>
+                      <a:schemeClr val="tx1"/>
+                    </a:solidFill>
+                    <a:latin typeface="Times New Roman" pitchFamily="18" charset="0"/>
+                    <a:cs typeface="Times New Roman" pitchFamily="18" charset="0"/>
+                  </a:rPr>
+                  <a:t> </a:t>
+                </a:r>
+                <a:r>
+                  <a:rPr lang="en-US" sz="1400" dirty="0" err="1" smtClean="0">
+                    <a:solidFill>
+                      <a:schemeClr val="tx1"/>
+                    </a:solidFill>
+                    <a:latin typeface="Times New Roman" pitchFamily="18" charset="0"/>
+                    <a:cs typeface="Times New Roman" pitchFamily="18" charset="0"/>
+                  </a:rPr>
+                  <a:t>quan</a:t>
+                </a:r>
+                <a:endParaRPr lang="en-US" sz="1400" dirty="0">
+                  <a:solidFill>
+                    <a:schemeClr val="tx1"/>
+                  </a:solidFill>
+                  <a:latin typeface="Times New Roman" pitchFamily="18" charset="0"/>
+                  <a:cs typeface="Times New Roman" pitchFamily="18" charset="0"/>
+                </a:endParaRPr>
+              </a:p>
+            </p:txBody>
+          </p:sp>
+          <p:sp>
+            <p:nvSpPr>
+              <p:cNvPr id="7" name="Flowchart: Multidocument 6"/>
+              <p:cNvSpPr/>
+              <p:nvPr/>
+            </p:nvSpPr>
+            <p:spPr>
+              <a:xfrm>
+                <a:off x="7086600" y="1752600"/>
+                <a:ext cx="1295400" cy="762000"/>
+              </a:xfrm>
+              <a:prstGeom prst="flowChartMultidocument">
+                <a:avLst/>
+              </a:prstGeom>
+              <a:noFill/>
+            </p:spPr>
+            <p:style>
+              <a:lnRef idx="2">
+                <a:schemeClr val="accent1">
+                  <a:shade val="50000"/>
+                </a:schemeClr>
+              </a:lnRef>
+              <a:fillRef idx="1">
+                <a:schemeClr val="accent1"/>
+              </a:fillRef>
+              <a:effectRef idx="0">
+                <a:schemeClr val="accent1"/>
+              </a:effectRef>
+              <a:fontRef idx="minor">
+                <a:schemeClr val="lt1"/>
+              </a:fontRef>
+            </p:style>
+            <p:txBody>
+              <a:bodyPr rtlCol="0" anchor="ctr"/>
+              <a:lstStyle/>
+              <a:p>
+                <a:pPr algn="ctr"/>
+                <a:r>
+                  <a:rPr lang="en-US" sz="1600" b="1" dirty="0" err="1" smtClean="0">
+                    <a:solidFill>
+                      <a:schemeClr val="tx1"/>
+                    </a:solidFill>
+                    <a:latin typeface="Times New Roman" pitchFamily="18" charset="0"/>
+                    <a:cs typeface="Times New Roman" pitchFamily="18" charset="0"/>
+                  </a:rPr>
+                  <a:t>Tập</a:t>
+                </a:r>
+                <a:r>
+                  <a:rPr lang="en-US" sz="1600" b="1" dirty="0" smtClean="0">
+                    <a:solidFill>
+                      <a:schemeClr val="tx1"/>
+                    </a:solidFill>
+                    <a:latin typeface="Times New Roman" pitchFamily="18" charset="0"/>
+                    <a:cs typeface="Times New Roman" pitchFamily="18" charset="0"/>
+                  </a:rPr>
+                  <a:t> </a:t>
+                </a:r>
+                <a:r>
+                  <a:rPr lang="en-US" sz="1600" b="1" dirty="0" err="1" smtClean="0">
+                    <a:solidFill>
+                      <a:schemeClr val="tx1"/>
+                    </a:solidFill>
+                    <a:latin typeface="Times New Roman" pitchFamily="18" charset="0"/>
+                    <a:cs typeface="Times New Roman" pitchFamily="18" charset="0"/>
+                  </a:rPr>
+                  <a:t>huấn</a:t>
+                </a:r>
+                <a:r>
+                  <a:rPr lang="en-US" sz="1600" b="1" dirty="0" smtClean="0">
+                    <a:solidFill>
+                      <a:schemeClr val="tx1"/>
+                    </a:solidFill>
+                    <a:latin typeface="Times New Roman" pitchFamily="18" charset="0"/>
+                    <a:cs typeface="Times New Roman" pitchFamily="18" charset="0"/>
+                  </a:rPr>
+                  <a:t> </a:t>
+                </a:r>
+                <a:r>
+                  <a:rPr lang="en-US" sz="1600" b="1" dirty="0" err="1" smtClean="0">
+                    <a:solidFill>
+                      <a:schemeClr val="tx1"/>
+                    </a:solidFill>
+                    <a:latin typeface="Times New Roman" pitchFamily="18" charset="0"/>
+                    <a:cs typeface="Times New Roman" pitchFamily="18" charset="0"/>
+                  </a:rPr>
+                  <a:t>luyện</a:t>
+                </a:r>
+                <a:endParaRPr lang="en-US" sz="1600" b="1" dirty="0">
+                  <a:solidFill>
+                    <a:schemeClr val="tx1"/>
+                  </a:solidFill>
+                  <a:latin typeface="Times New Roman" pitchFamily="18" charset="0"/>
+                  <a:cs typeface="Times New Roman" pitchFamily="18" charset="0"/>
+                </a:endParaRPr>
+              </a:p>
+            </p:txBody>
+          </p:sp>
+          <p:sp>
+            <p:nvSpPr>
+              <p:cNvPr id="8" name="Rectangle 7"/>
+              <p:cNvSpPr/>
+              <p:nvPr/>
+            </p:nvSpPr>
+            <p:spPr>
+              <a:xfrm>
+                <a:off x="4419600" y="3124200"/>
+                <a:ext cx="1143000" cy="762000"/>
+              </a:xfrm>
+              <a:prstGeom prst="rect">
+                <a:avLst/>
+              </a:prstGeom>
+              <a:noFill/>
+            </p:spPr>
+            <p:style>
+              <a:lnRef idx="2">
+                <a:schemeClr val="accent1">
+                  <a:shade val="50000"/>
+                </a:schemeClr>
+              </a:lnRef>
+              <a:fillRef idx="1">
+                <a:schemeClr val="accent1"/>
+              </a:fillRef>
+              <a:effectRef idx="0">
+                <a:schemeClr val="accent1"/>
+              </a:effectRef>
+              <a:fontRef idx="minor">
+                <a:schemeClr val="lt1"/>
+              </a:fontRef>
+            </p:style>
+            <p:txBody>
+              <a:bodyPr rtlCol="0" anchor="ctr"/>
+              <a:lstStyle/>
+              <a:p>
+                <a:pPr algn="ctr"/>
+                <a:r>
+                  <a:rPr lang="en-US" sz="1600" dirty="0" err="1" smtClean="0">
+                    <a:solidFill>
+                      <a:schemeClr val="tx1"/>
+                    </a:solidFill>
+                    <a:latin typeface="Times New Roman" pitchFamily="18" charset="0"/>
+                    <a:cs typeface="Times New Roman" pitchFamily="18" charset="0"/>
+                  </a:rPr>
+                  <a:t>Tách</a:t>
+                </a:r>
+                <a:r>
+                  <a:rPr lang="en-US" sz="1600" dirty="0" smtClean="0">
+                    <a:solidFill>
+                      <a:schemeClr val="tx1"/>
+                    </a:solidFill>
+                    <a:latin typeface="Times New Roman" pitchFamily="18" charset="0"/>
+                    <a:cs typeface="Times New Roman" pitchFamily="18" charset="0"/>
+                  </a:rPr>
+                  <a:t> </a:t>
+                </a:r>
+                <a:r>
+                  <a:rPr lang="en-US" sz="1600" dirty="0" err="1" smtClean="0">
+                    <a:solidFill>
+                      <a:schemeClr val="tx1"/>
+                    </a:solidFill>
+                    <a:latin typeface="Times New Roman" pitchFamily="18" charset="0"/>
+                    <a:cs typeface="Times New Roman" pitchFamily="18" charset="0"/>
+                  </a:rPr>
+                  <a:t>từ</a:t>
+                </a:r>
+                <a:r>
+                  <a:rPr lang="en-US" sz="1600" dirty="0" smtClean="0">
+                    <a:solidFill>
+                      <a:schemeClr val="tx1"/>
+                    </a:solidFill>
+                    <a:latin typeface="Times New Roman" pitchFamily="18" charset="0"/>
+                    <a:cs typeface="Times New Roman" pitchFamily="18" charset="0"/>
+                  </a:rPr>
+                  <a:t> &amp; </a:t>
+                </a:r>
+                <a:r>
+                  <a:rPr lang="en-US" sz="1600" dirty="0" err="1" smtClean="0">
+                    <a:solidFill>
+                      <a:schemeClr val="tx1"/>
+                    </a:solidFill>
+                    <a:latin typeface="Times New Roman" pitchFamily="18" charset="0"/>
+                    <a:cs typeface="Times New Roman" pitchFamily="18" charset="0"/>
+                  </a:rPr>
+                  <a:t>Loại</a:t>
+                </a:r>
+                <a:r>
+                  <a:rPr lang="en-US" sz="1600" dirty="0" smtClean="0">
+                    <a:solidFill>
+                      <a:schemeClr val="tx1"/>
+                    </a:solidFill>
+                    <a:latin typeface="Times New Roman" pitchFamily="18" charset="0"/>
+                    <a:cs typeface="Times New Roman" pitchFamily="18" charset="0"/>
+                  </a:rPr>
+                  <a:t> </a:t>
+                </a:r>
+                <a:r>
+                  <a:rPr lang="en-US" sz="1600" dirty="0" err="1" smtClean="0">
+                    <a:solidFill>
+                      <a:schemeClr val="tx1"/>
+                    </a:solidFill>
+                    <a:latin typeface="Times New Roman" pitchFamily="18" charset="0"/>
+                    <a:cs typeface="Times New Roman" pitchFamily="18" charset="0"/>
+                  </a:rPr>
+                  <a:t>bỏ</a:t>
+                </a:r>
+                <a:r>
+                  <a:rPr lang="en-US" sz="1600" dirty="0" smtClean="0">
+                    <a:solidFill>
+                      <a:schemeClr val="tx1"/>
+                    </a:solidFill>
+                    <a:latin typeface="Times New Roman" pitchFamily="18" charset="0"/>
+                    <a:cs typeface="Times New Roman" pitchFamily="18" charset="0"/>
+                  </a:rPr>
+                  <a:t> h</a:t>
+                </a:r>
+                <a:r>
+                  <a:rPr lang="vi-VN" sz="1600" dirty="0" smtClean="0">
+                    <a:solidFill>
+                      <a:schemeClr val="tx1"/>
+                    </a:solidFill>
+                    <a:latin typeface="Times New Roman" pitchFamily="18" charset="0"/>
+                    <a:cs typeface="Times New Roman" pitchFamily="18" charset="0"/>
+                  </a:rPr>
+                  <a:t>ư</a:t>
+                </a:r>
+                <a:r>
+                  <a:rPr lang="en-US" sz="1600" dirty="0" smtClean="0">
+                    <a:solidFill>
+                      <a:schemeClr val="tx1"/>
+                    </a:solidFill>
+                    <a:latin typeface="Times New Roman" pitchFamily="18" charset="0"/>
+                    <a:cs typeface="Times New Roman" pitchFamily="18" charset="0"/>
+                  </a:rPr>
+                  <a:t> </a:t>
+                </a:r>
+                <a:r>
+                  <a:rPr lang="en-US" sz="1600" dirty="0" err="1" smtClean="0">
+                    <a:solidFill>
+                      <a:schemeClr val="tx1"/>
+                    </a:solidFill>
+                    <a:latin typeface="Times New Roman" pitchFamily="18" charset="0"/>
+                    <a:cs typeface="Times New Roman" pitchFamily="18" charset="0"/>
+                  </a:rPr>
+                  <a:t>từ</a:t>
+                </a:r>
+                <a:endParaRPr lang="en-US" sz="1600" dirty="0">
+                  <a:solidFill>
+                    <a:schemeClr val="tx1"/>
+                  </a:solidFill>
+                  <a:latin typeface="Times New Roman" pitchFamily="18" charset="0"/>
+                  <a:cs typeface="Times New Roman" pitchFamily="18" charset="0"/>
+                </a:endParaRPr>
+              </a:p>
+            </p:txBody>
+          </p:sp>
+          <p:sp>
+            <p:nvSpPr>
+              <p:cNvPr id="9" name="Rectangle 8"/>
+              <p:cNvSpPr/>
+              <p:nvPr/>
+            </p:nvSpPr>
+            <p:spPr>
+              <a:xfrm>
+                <a:off x="4191000" y="4572000"/>
+                <a:ext cx="1371600" cy="609600"/>
+              </a:xfrm>
+              <a:prstGeom prst="rect">
+                <a:avLst/>
+              </a:prstGeom>
+              <a:noFill/>
+            </p:spPr>
+            <p:style>
+              <a:lnRef idx="2">
+                <a:schemeClr val="accent1">
+                  <a:shade val="50000"/>
+                </a:schemeClr>
+              </a:lnRef>
+              <a:fillRef idx="1">
+                <a:schemeClr val="accent1"/>
+              </a:fillRef>
+              <a:effectRef idx="0">
+                <a:schemeClr val="accent1"/>
+              </a:effectRef>
+              <a:fontRef idx="minor">
+                <a:schemeClr val="lt1"/>
+              </a:fontRef>
+            </p:style>
+            <p:txBody>
+              <a:bodyPr rtlCol="0" anchor="ctr"/>
+              <a:lstStyle/>
+              <a:p>
+                <a:pPr algn="ctr"/>
+                <a:r>
+                  <a:rPr lang="en-US" sz="1600" dirty="0" err="1" smtClean="0">
+                    <a:solidFill>
+                      <a:schemeClr val="tx1"/>
+                    </a:solidFill>
+                    <a:latin typeface="Times New Roman" pitchFamily="18" charset="0"/>
+                    <a:cs typeface="Times New Roman" pitchFamily="18" charset="0"/>
+                  </a:rPr>
+                  <a:t>Tính</a:t>
+                </a:r>
+                <a:r>
+                  <a:rPr lang="en-US" sz="1600" dirty="0" smtClean="0">
+                    <a:solidFill>
+                      <a:schemeClr val="tx1"/>
+                    </a:solidFill>
+                    <a:latin typeface="Times New Roman" pitchFamily="18" charset="0"/>
+                    <a:cs typeface="Times New Roman" pitchFamily="18" charset="0"/>
+                  </a:rPr>
+                  <a:t> </a:t>
+                </a:r>
+                <a:r>
+                  <a:rPr lang="en-US" sz="1600" dirty="0" smtClean="0">
+                    <a:solidFill>
+                      <a:schemeClr val="tx1"/>
+                    </a:solidFill>
+                    <a:latin typeface="Times New Roman" pitchFamily="18" charset="0"/>
+                    <a:cs typeface="Times New Roman" pitchFamily="18" charset="0"/>
+                  </a:rPr>
+                  <a:t>TFIDF </a:t>
+                </a:r>
+                <a:r>
+                  <a:rPr lang="en-US" sz="1600" dirty="0" err="1" smtClean="0">
+                    <a:solidFill>
+                      <a:schemeClr val="tx1"/>
+                    </a:solidFill>
+                    <a:latin typeface="Times New Roman" pitchFamily="18" charset="0"/>
+                    <a:cs typeface="Times New Roman" pitchFamily="18" charset="0"/>
+                  </a:rPr>
+                  <a:t>theo</a:t>
+                </a:r>
+                <a:r>
+                  <a:rPr lang="en-US" sz="1600" dirty="0" smtClean="0">
+                    <a:solidFill>
+                      <a:schemeClr val="tx1"/>
+                    </a:solidFill>
+                    <a:latin typeface="Times New Roman" pitchFamily="18" charset="0"/>
+                    <a:cs typeface="Times New Roman" pitchFamily="18" charset="0"/>
+                  </a:rPr>
+                  <a:t> </a:t>
+                </a:r>
+                <a:r>
+                  <a:rPr lang="vi-VN" sz="1600" dirty="0" smtClean="0">
+                    <a:solidFill>
+                      <a:schemeClr val="tx1"/>
+                    </a:solidFill>
+                    <a:latin typeface="Times New Roman" pitchFamily="18" charset="0"/>
+                    <a:cs typeface="Times New Roman" pitchFamily="18" charset="0"/>
+                  </a:rPr>
+                  <a:t>đặ</a:t>
+                </a:r>
+                <a:r>
+                  <a:rPr lang="en-US" sz="1600" dirty="0" smtClean="0">
+                    <a:solidFill>
+                      <a:schemeClr val="tx1"/>
+                    </a:solidFill>
+                    <a:latin typeface="Times New Roman" pitchFamily="18" charset="0"/>
+                    <a:cs typeface="Times New Roman" pitchFamily="18" charset="0"/>
+                  </a:rPr>
+                  <a:t>c </a:t>
+                </a:r>
+                <a:r>
+                  <a:rPr lang="en-US" sz="1600" dirty="0" err="1" smtClean="0">
+                    <a:solidFill>
+                      <a:schemeClr val="tx1"/>
+                    </a:solidFill>
+                    <a:latin typeface="Times New Roman" pitchFamily="18" charset="0"/>
+                    <a:cs typeface="Times New Roman" pitchFamily="18" charset="0"/>
+                  </a:rPr>
+                  <a:t>tr</a:t>
+                </a:r>
+                <a:r>
+                  <a:rPr lang="vi-VN" sz="1600" dirty="0" smtClean="0">
+                    <a:solidFill>
+                      <a:schemeClr val="tx1"/>
+                    </a:solidFill>
+                    <a:latin typeface="Times New Roman" pitchFamily="18" charset="0"/>
+                    <a:cs typeface="Times New Roman" pitchFamily="18" charset="0"/>
+                  </a:rPr>
+                  <a:t>ư</a:t>
+                </a:r>
+                <a:r>
+                  <a:rPr lang="en-US" sz="1600" dirty="0" err="1" smtClean="0">
+                    <a:solidFill>
+                      <a:schemeClr val="tx1"/>
+                    </a:solidFill>
+                    <a:latin typeface="Times New Roman" pitchFamily="18" charset="0"/>
+                    <a:cs typeface="Times New Roman" pitchFamily="18" charset="0"/>
+                  </a:rPr>
+                  <a:t>ng</a:t>
+                </a:r>
+                <a:endParaRPr lang="en-US" sz="1600" dirty="0">
+                  <a:solidFill>
+                    <a:schemeClr val="tx1"/>
+                  </a:solidFill>
+                  <a:latin typeface="Times New Roman" pitchFamily="18" charset="0"/>
+                  <a:cs typeface="Times New Roman" pitchFamily="18" charset="0"/>
+                </a:endParaRPr>
+              </a:p>
+            </p:txBody>
+          </p:sp>
+          <p:sp>
+            <p:nvSpPr>
+              <p:cNvPr id="10" name="Rectangle 9"/>
+              <p:cNvSpPr/>
+              <p:nvPr/>
+            </p:nvSpPr>
+            <p:spPr>
+              <a:xfrm>
+                <a:off x="4419600" y="5943600"/>
+                <a:ext cx="1143000" cy="609600"/>
+              </a:xfrm>
+              <a:prstGeom prst="rect">
+                <a:avLst/>
+              </a:prstGeom>
+              <a:noFill/>
+            </p:spPr>
+            <p:style>
+              <a:lnRef idx="2">
+                <a:schemeClr val="accent1">
+                  <a:shade val="50000"/>
+                </a:schemeClr>
+              </a:lnRef>
+              <a:fillRef idx="1">
+                <a:schemeClr val="accent1"/>
+              </a:fillRef>
+              <a:effectRef idx="0">
+                <a:schemeClr val="accent1"/>
+              </a:effectRef>
+              <a:fontRef idx="minor">
+                <a:schemeClr val="lt1"/>
+              </a:fontRef>
+            </p:style>
+            <p:txBody>
+              <a:bodyPr rtlCol="0" anchor="ctr"/>
+              <a:lstStyle/>
+              <a:p>
+                <a:pPr algn="ctr"/>
+                <a:r>
+                  <a:rPr lang="en-US" sz="1600" dirty="0" smtClean="0">
+                    <a:solidFill>
+                      <a:schemeClr val="tx1"/>
+                    </a:solidFill>
+                    <a:latin typeface="Times New Roman" pitchFamily="18" charset="0"/>
+                    <a:cs typeface="Times New Roman" pitchFamily="18" charset="0"/>
+                  </a:rPr>
+                  <a:t>SVM</a:t>
+                </a:r>
+                <a:endParaRPr lang="en-US" sz="1600" dirty="0">
+                  <a:solidFill>
+                    <a:schemeClr val="tx1"/>
+                  </a:solidFill>
+                  <a:latin typeface="Times New Roman" pitchFamily="18" charset="0"/>
+                  <a:cs typeface="Times New Roman" pitchFamily="18" charset="0"/>
+                </a:endParaRPr>
+              </a:p>
+            </p:txBody>
+          </p:sp>
+          <p:sp>
+            <p:nvSpPr>
+              <p:cNvPr id="11" name="Flowchart: Multidocument 10"/>
+              <p:cNvSpPr/>
+              <p:nvPr/>
+            </p:nvSpPr>
+            <p:spPr>
+              <a:xfrm>
+                <a:off x="4572000" y="1676400"/>
+                <a:ext cx="1066800" cy="762000"/>
+              </a:xfrm>
+              <a:prstGeom prst="flowChartMultidocument">
+                <a:avLst/>
+              </a:prstGeom>
+              <a:noFill/>
+            </p:spPr>
+            <p:style>
+              <a:lnRef idx="2">
+                <a:schemeClr val="accent1">
+                  <a:shade val="50000"/>
+                </a:schemeClr>
+              </a:lnRef>
+              <a:fillRef idx="1">
+                <a:schemeClr val="accent1"/>
+              </a:fillRef>
+              <a:effectRef idx="0">
+                <a:schemeClr val="accent1"/>
+              </a:effectRef>
+              <a:fontRef idx="minor">
+                <a:schemeClr val="lt1"/>
+              </a:fontRef>
+            </p:style>
+            <p:txBody>
+              <a:bodyPr rtlCol="0" anchor="ctr"/>
+              <a:lstStyle/>
+              <a:p>
+                <a:pPr algn="ctr"/>
+                <a:r>
+                  <a:rPr lang="en-US" sz="1400" b="1" dirty="0" smtClean="0">
+                    <a:solidFill>
+                      <a:schemeClr val="tx1"/>
+                    </a:solidFill>
+                    <a:latin typeface="Times New Roman" pitchFamily="18" charset="0"/>
+                    <a:cs typeface="Times New Roman" pitchFamily="18" charset="0"/>
+                  </a:rPr>
+                  <a:t>HTML, PDF files</a:t>
+                </a:r>
+                <a:endParaRPr lang="en-US" sz="1400" b="1" dirty="0">
+                  <a:solidFill>
+                    <a:schemeClr val="tx1"/>
+                  </a:solidFill>
+                  <a:latin typeface="Times New Roman" pitchFamily="18" charset="0"/>
+                  <a:cs typeface="Times New Roman" pitchFamily="18" charset="0"/>
+                </a:endParaRPr>
+              </a:p>
+            </p:txBody>
+          </p:sp>
+          <p:sp>
+            <p:nvSpPr>
+              <p:cNvPr id="15" name="Rectangle 14"/>
+              <p:cNvSpPr/>
+              <p:nvPr/>
+            </p:nvSpPr>
+            <p:spPr>
+              <a:xfrm>
+                <a:off x="7086600" y="3048000"/>
+                <a:ext cx="1143000" cy="762000"/>
+              </a:xfrm>
+              <a:prstGeom prst="rect">
+                <a:avLst/>
+              </a:prstGeom>
+              <a:noFill/>
+            </p:spPr>
+            <p:style>
+              <a:lnRef idx="2">
+                <a:schemeClr val="accent1">
+                  <a:shade val="50000"/>
+                </a:schemeClr>
+              </a:lnRef>
+              <a:fillRef idx="1">
+                <a:schemeClr val="accent1"/>
+              </a:fillRef>
+              <a:effectRef idx="0">
+                <a:schemeClr val="accent1"/>
+              </a:effectRef>
+              <a:fontRef idx="minor">
+                <a:schemeClr val="lt1"/>
+              </a:fontRef>
+            </p:style>
+            <p:txBody>
+              <a:bodyPr rtlCol="0" anchor="ctr"/>
+              <a:lstStyle/>
+              <a:p>
+                <a:pPr algn="ctr"/>
+                <a:r>
+                  <a:rPr lang="en-US" sz="1600" dirty="0" err="1" smtClean="0">
+                    <a:solidFill>
+                      <a:schemeClr val="tx1"/>
+                    </a:solidFill>
+                    <a:latin typeface="Times New Roman" pitchFamily="18" charset="0"/>
+                    <a:cs typeface="Times New Roman" pitchFamily="18" charset="0"/>
+                  </a:rPr>
+                  <a:t>Tách</a:t>
+                </a:r>
+                <a:r>
+                  <a:rPr lang="en-US" sz="1600" dirty="0" smtClean="0">
+                    <a:solidFill>
+                      <a:schemeClr val="tx1"/>
+                    </a:solidFill>
+                    <a:latin typeface="Times New Roman" pitchFamily="18" charset="0"/>
+                    <a:cs typeface="Times New Roman" pitchFamily="18" charset="0"/>
+                  </a:rPr>
+                  <a:t> </a:t>
+                </a:r>
+                <a:r>
+                  <a:rPr lang="en-US" sz="1600" dirty="0" err="1" smtClean="0">
+                    <a:solidFill>
+                      <a:schemeClr val="tx1"/>
+                    </a:solidFill>
+                    <a:latin typeface="Times New Roman" pitchFamily="18" charset="0"/>
+                    <a:cs typeface="Times New Roman" pitchFamily="18" charset="0"/>
+                  </a:rPr>
+                  <a:t>từ</a:t>
+                </a:r>
+                <a:r>
+                  <a:rPr lang="en-US" sz="1600" dirty="0" smtClean="0">
+                    <a:solidFill>
+                      <a:schemeClr val="tx1"/>
+                    </a:solidFill>
+                    <a:latin typeface="Times New Roman" pitchFamily="18" charset="0"/>
+                    <a:cs typeface="Times New Roman" pitchFamily="18" charset="0"/>
+                  </a:rPr>
+                  <a:t> &amp; </a:t>
+                </a:r>
+                <a:r>
+                  <a:rPr lang="en-US" sz="1600" dirty="0" err="1" smtClean="0">
+                    <a:solidFill>
+                      <a:schemeClr val="tx1"/>
+                    </a:solidFill>
+                    <a:latin typeface="Times New Roman" pitchFamily="18" charset="0"/>
+                    <a:cs typeface="Times New Roman" pitchFamily="18" charset="0"/>
+                  </a:rPr>
+                  <a:t>Loại</a:t>
+                </a:r>
+                <a:r>
+                  <a:rPr lang="en-US" sz="1600" dirty="0" smtClean="0">
+                    <a:solidFill>
+                      <a:schemeClr val="tx1"/>
+                    </a:solidFill>
+                    <a:latin typeface="Times New Roman" pitchFamily="18" charset="0"/>
+                    <a:cs typeface="Times New Roman" pitchFamily="18" charset="0"/>
+                  </a:rPr>
+                  <a:t> </a:t>
+                </a:r>
+                <a:r>
+                  <a:rPr lang="en-US" sz="1600" dirty="0" err="1" smtClean="0">
+                    <a:solidFill>
+                      <a:schemeClr val="tx1"/>
+                    </a:solidFill>
+                    <a:latin typeface="Times New Roman" pitchFamily="18" charset="0"/>
+                    <a:cs typeface="Times New Roman" pitchFamily="18" charset="0"/>
+                  </a:rPr>
+                  <a:t>bỏ</a:t>
+                </a:r>
+                <a:r>
+                  <a:rPr lang="en-US" sz="1600" dirty="0" smtClean="0">
+                    <a:solidFill>
+                      <a:schemeClr val="tx1"/>
+                    </a:solidFill>
+                    <a:latin typeface="Times New Roman" pitchFamily="18" charset="0"/>
+                    <a:cs typeface="Times New Roman" pitchFamily="18" charset="0"/>
+                  </a:rPr>
+                  <a:t> h</a:t>
+                </a:r>
+                <a:r>
+                  <a:rPr lang="vi-VN" sz="1600" dirty="0" smtClean="0">
+                    <a:solidFill>
+                      <a:schemeClr val="tx1"/>
+                    </a:solidFill>
+                    <a:latin typeface="Times New Roman" pitchFamily="18" charset="0"/>
+                    <a:cs typeface="Times New Roman" pitchFamily="18" charset="0"/>
+                  </a:rPr>
+                  <a:t>ư</a:t>
+                </a:r>
+                <a:r>
+                  <a:rPr lang="en-US" sz="1600" dirty="0" smtClean="0">
+                    <a:solidFill>
+                      <a:schemeClr val="tx1"/>
+                    </a:solidFill>
+                    <a:latin typeface="Times New Roman" pitchFamily="18" charset="0"/>
+                    <a:cs typeface="Times New Roman" pitchFamily="18" charset="0"/>
+                  </a:rPr>
+                  <a:t> </a:t>
+                </a:r>
+                <a:r>
+                  <a:rPr lang="en-US" sz="1600" dirty="0" err="1" smtClean="0">
+                    <a:solidFill>
+                      <a:schemeClr val="tx1"/>
+                    </a:solidFill>
+                    <a:latin typeface="Times New Roman" pitchFamily="18" charset="0"/>
+                    <a:cs typeface="Times New Roman" pitchFamily="18" charset="0"/>
+                  </a:rPr>
+                  <a:t>từ</a:t>
+                </a:r>
+                <a:endParaRPr lang="en-US" sz="1600" dirty="0">
+                  <a:solidFill>
+                    <a:schemeClr val="tx1"/>
+                  </a:solidFill>
+                  <a:latin typeface="Times New Roman" pitchFamily="18" charset="0"/>
+                  <a:cs typeface="Times New Roman" pitchFamily="18" charset="0"/>
+                </a:endParaRPr>
+              </a:p>
+            </p:txBody>
+          </p:sp>
+          <p:sp>
+            <p:nvSpPr>
+              <p:cNvPr id="16" name="Rectangle 15"/>
+              <p:cNvSpPr/>
+              <p:nvPr/>
+            </p:nvSpPr>
+            <p:spPr>
+              <a:xfrm>
+                <a:off x="7086600" y="4495800"/>
+                <a:ext cx="1143000" cy="762000"/>
+              </a:xfrm>
+              <a:prstGeom prst="rect">
+                <a:avLst/>
+              </a:prstGeom>
+              <a:noFill/>
+            </p:spPr>
+            <p:style>
+              <a:lnRef idx="2">
+                <a:schemeClr val="accent1">
+                  <a:shade val="50000"/>
+                </a:schemeClr>
+              </a:lnRef>
+              <a:fillRef idx="1">
+                <a:schemeClr val="accent1"/>
+              </a:fillRef>
+              <a:effectRef idx="0">
+                <a:schemeClr val="accent1"/>
+              </a:effectRef>
+              <a:fontRef idx="minor">
+                <a:schemeClr val="lt1"/>
+              </a:fontRef>
+            </p:style>
+            <p:txBody>
+              <a:bodyPr rtlCol="0" anchor="ctr"/>
+              <a:lstStyle/>
+              <a:p>
+                <a:pPr algn="ctr"/>
+                <a:r>
+                  <a:rPr lang="en-US" sz="1600" dirty="0" err="1" smtClean="0">
+                    <a:solidFill>
+                      <a:schemeClr val="tx1"/>
+                    </a:solidFill>
+                    <a:latin typeface="Times New Roman" pitchFamily="18" charset="0"/>
+                    <a:cs typeface="Times New Roman" pitchFamily="18" charset="0"/>
+                  </a:rPr>
+                  <a:t>Tìm</a:t>
+                </a:r>
+                <a:r>
+                  <a:rPr lang="en-US" sz="1600" dirty="0" smtClean="0">
+                    <a:solidFill>
+                      <a:schemeClr val="tx1"/>
+                    </a:solidFill>
+                    <a:latin typeface="Times New Roman" pitchFamily="18" charset="0"/>
+                    <a:cs typeface="Times New Roman" pitchFamily="18" charset="0"/>
+                  </a:rPr>
+                  <a:t> </a:t>
+                </a:r>
+                <a:r>
+                  <a:rPr lang="vi-VN" sz="1600" dirty="0" smtClean="0">
+                    <a:solidFill>
+                      <a:schemeClr val="tx1"/>
+                    </a:solidFill>
+                    <a:latin typeface="Times New Roman" pitchFamily="18" charset="0"/>
+                    <a:cs typeface="Times New Roman" pitchFamily="18" charset="0"/>
+                  </a:rPr>
+                  <a:t>đặc</a:t>
+                </a:r>
+                <a:r>
+                  <a:rPr lang="en-US" sz="1600" dirty="0" smtClean="0">
+                    <a:solidFill>
+                      <a:schemeClr val="tx1"/>
+                    </a:solidFill>
+                    <a:latin typeface="Times New Roman" pitchFamily="18" charset="0"/>
+                    <a:cs typeface="Times New Roman" pitchFamily="18" charset="0"/>
+                  </a:rPr>
+                  <a:t> </a:t>
+                </a:r>
+                <a:r>
+                  <a:rPr lang="en-US" sz="1600" dirty="0" err="1" smtClean="0">
+                    <a:solidFill>
+                      <a:schemeClr val="tx1"/>
+                    </a:solidFill>
+                    <a:latin typeface="Times New Roman" pitchFamily="18" charset="0"/>
+                    <a:cs typeface="Times New Roman" pitchFamily="18" charset="0"/>
+                  </a:rPr>
+                  <a:t>tr</a:t>
+                </a:r>
+                <a:r>
+                  <a:rPr lang="vi-VN" sz="1600" dirty="0" smtClean="0">
+                    <a:solidFill>
+                      <a:schemeClr val="tx1"/>
+                    </a:solidFill>
+                    <a:latin typeface="Times New Roman" pitchFamily="18" charset="0"/>
+                    <a:cs typeface="Times New Roman" pitchFamily="18" charset="0"/>
+                  </a:rPr>
+                  <a:t>ưng</a:t>
+                </a:r>
+                <a:r>
+                  <a:rPr lang="en-US" sz="1600" dirty="0" smtClean="0">
+                    <a:solidFill>
+                      <a:schemeClr val="tx1"/>
+                    </a:solidFill>
+                    <a:latin typeface="Times New Roman" pitchFamily="18" charset="0"/>
+                    <a:cs typeface="Times New Roman" pitchFamily="18" charset="0"/>
+                  </a:rPr>
+                  <a:t> </a:t>
+                </a:r>
+                <a:r>
+                  <a:rPr lang="en-US" sz="1600" dirty="0" err="1" smtClean="0">
+                    <a:solidFill>
+                      <a:schemeClr val="tx1"/>
+                    </a:solidFill>
+                    <a:latin typeface="Times New Roman" pitchFamily="18" charset="0"/>
+                    <a:cs typeface="Times New Roman" pitchFamily="18" charset="0"/>
+                  </a:rPr>
+                  <a:t>tài</a:t>
+                </a:r>
+                <a:r>
+                  <a:rPr lang="en-US" sz="1600" dirty="0" smtClean="0">
+                    <a:solidFill>
+                      <a:schemeClr val="tx1"/>
+                    </a:solidFill>
+                    <a:latin typeface="Times New Roman" pitchFamily="18" charset="0"/>
+                    <a:cs typeface="Times New Roman" pitchFamily="18" charset="0"/>
+                  </a:rPr>
+                  <a:t> </a:t>
+                </a:r>
+                <a:r>
+                  <a:rPr lang="en-US" sz="1600" dirty="0" err="1" smtClean="0">
+                    <a:solidFill>
+                      <a:schemeClr val="tx1"/>
+                    </a:solidFill>
+                    <a:latin typeface="Times New Roman" pitchFamily="18" charset="0"/>
+                    <a:cs typeface="Times New Roman" pitchFamily="18" charset="0"/>
+                  </a:rPr>
+                  <a:t>liệu</a:t>
+                </a:r>
+                <a:r>
+                  <a:rPr lang="en-US" sz="1600" dirty="0" smtClean="0">
+                    <a:solidFill>
+                      <a:schemeClr val="tx1"/>
+                    </a:solidFill>
+                    <a:latin typeface="Times New Roman" pitchFamily="18" charset="0"/>
+                    <a:cs typeface="Times New Roman" pitchFamily="18" charset="0"/>
+                  </a:rPr>
+                  <a:t> CNTT</a:t>
+                </a:r>
+                <a:endParaRPr lang="en-US" sz="1600" dirty="0">
+                  <a:solidFill>
+                    <a:schemeClr val="tx1"/>
+                  </a:solidFill>
+                  <a:latin typeface="Times New Roman" pitchFamily="18" charset="0"/>
+                  <a:cs typeface="Times New Roman" pitchFamily="18" charset="0"/>
+                </a:endParaRPr>
+              </a:p>
+            </p:txBody>
+          </p:sp>
+          <p:sp>
+            <p:nvSpPr>
+              <p:cNvPr id="17" name="Rectangle 16"/>
+              <p:cNvSpPr/>
+              <p:nvPr/>
+            </p:nvSpPr>
+            <p:spPr>
+              <a:xfrm>
+                <a:off x="7010400" y="5867400"/>
+                <a:ext cx="1219200" cy="762000"/>
+              </a:xfrm>
+              <a:prstGeom prst="rect">
+                <a:avLst/>
+              </a:prstGeom>
+              <a:noFill/>
+            </p:spPr>
+            <p:style>
+              <a:lnRef idx="2">
+                <a:schemeClr val="accent1">
+                  <a:shade val="50000"/>
+                </a:schemeClr>
+              </a:lnRef>
+              <a:fillRef idx="1">
+                <a:schemeClr val="accent1"/>
+              </a:fillRef>
+              <a:effectRef idx="0">
+                <a:schemeClr val="accent1"/>
+              </a:effectRef>
+              <a:fontRef idx="minor">
+                <a:schemeClr val="lt1"/>
+              </a:fontRef>
+            </p:style>
+            <p:txBody>
+              <a:bodyPr rtlCol="0" anchor="ctr"/>
+              <a:lstStyle/>
+              <a:p>
+                <a:pPr algn="ctr"/>
+                <a:r>
+                  <a:rPr lang="en-US" sz="1600" dirty="0" err="1" smtClean="0">
+                    <a:solidFill>
+                      <a:schemeClr val="tx1"/>
+                    </a:solidFill>
+                    <a:latin typeface="Times New Roman" pitchFamily="18" charset="0"/>
+                    <a:cs typeface="Times New Roman" pitchFamily="18" charset="0"/>
+                  </a:rPr>
+                  <a:t>SVM_Train</a:t>
+                </a:r>
+                <a:endParaRPr lang="en-US" sz="1600" dirty="0">
+                  <a:solidFill>
+                    <a:schemeClr val="tx1"/>
+                  </a:solidFill>
+                  <a:latin typeface="Times New Roman" pitchFamily="18" charset="0"/>
+                  <a:cs typeface="Times New Roman" pitchFamily="18" charset="0"/>
+                </a:endParaRPr>
+              </a:p>
+            </p:txBody>
+          </p:sp>
+          <p:sp>
+            <p:nvSpPr>
+              <p:cNvPr id="18" name="Flowchart: Multidocument 17"/>
+              <p:cNvSpPr/>
+              <p:nvPr/>
+            </p:nvSpPr>
+            <p:spPr>
+              <a:xfrm>
+                <a:off x="2286000" y="5867400"/>
+                <a:ext cx="1219200" cy="838200"/>
+              </a:xfrm>
+              <a:prstGeom prst="flowChartMultidocument">
+                <a:avLst/>
+              </a:prstGeom>
+              <a:noFill/>
+            </p:spPr>
+            <p:style>
+              <a:lnRef idx="2">
+                <a:schemeClr val="accent1">
+                  <a:shade val="50000"/>
+                </a:schemeClr>
+              </a:lnRef>
+              <a:fillRef idx="1">
+                <a:schemeClr val="accent1"/>
+              </a:fillRef>
+              <a:effectRef idx="0">
+                <a:schemeClr val="accent1"/>
+              </a:effectRef>
+              <a:fontRef idx="minor">
+                <a:schemeClr val="lt1"/>
+              </a:fontRef>
+            </p:style>
+            <p:txBody>
+              <a:bodyPr rtlCol="0" anchor="ctr"/>
+              <a:lstStyle/>
+              <a:p>
+                <a:pPr algn="ctr"/>
+                <a:r>
+                  <a:rPr lang="en-US" sz="1600" b="1" dirty="0" err="1">
+                    <a:solidFill>
+                      <a:schemeClr val="tx1"/>
+                    </a:solidFill>
+                    <a:latin typeface="Times New Roman" pitchFamily="18" charset="0"/>
+                    <a:cs typeface="Times New Roman" pitchFamily="18" charset="0"/>
+                  </a:rPr>
+                  <a:t>T</a:t>
+                </a:r>
+                <a:r>
+                  <a:rPr lang="en-US" sz="1600" b="1" dirty="0" err="1" smtClean="0">
+                    <a:solidFill>
+                      <a:schemeClr val="tx1"/>
+                    </a:solidFill>
+                    <a:latin typeface="Times New Roman" pitchFamily="18" charset="0"/>
+                    <a:cs typeface="Times New Roman" pitchFamily="18" charset="0"/>
+                  </a:rPr>
+                  <a:t>ài</a:t>
+                </a:r>
+                <a:r>
+                  <a:rPr lang="en-US" sz="1600" b="1" dirty="0" smtClean="0">
+                    <a:solidFill>
+                      <a:schemeClr val="tx1"/>
+                    </a:solidFill>
+                    <a:latin typeface="Times New Roman" pitchFamily="18" charset="0"/>
+                    <a:cs typeface="Times New Roman" pitchFamily="18" charset="0"/>
+                  </a:rPr>
+                  <a:t> </a:t>
+                </a:r>
+                <a:r>
+                  <a:rPr lang="en-US" sz="1600" b="1" dirty="0" err="1" smtClean="0">
+                    <a:solidFill>
+                      <a:schemeClr val="tx1"/>
+                    </a:solidFill>
+                    <a:latin typeface="Times New Roman" pitchFamily="18" charset="0"/>
+                    <a:cs typeface="Times New Roman" pitchFamily="18" charset="0"/>
+                  </a:rPr>
+                  <a:t>liệu</a:t>
+                </a:r>
+                <a:r>
+                  <a:rPr lang="en-US" sz="1600" b="1" dirty="0" smtClean="0">
+                    <a:solidFill>
+                      <a:schemeClr val="tx1"/>
+                    </a:solidFill>
+                    <a:latin typeface="Times New Roman" pitchFamily="18" charset="0"/>
+                    <a:cs typeface="Times New Roman" pitchFamily="18" charset="0"/>
+                  </a:rPr>
+                  <a:t> CNTT</a:t>
+                </a:r>
+                <a:endParaRPr lang="en-US" sz="1600" b="1" dirty="0">
+                  <a:solidFill>
+                    <a:schemeClr val="tx1"/>
+                  </a:solidFill>
+                  <a:latin typeface="Times New Roman" pitchFamily="18" charset="0"/>
+                  <a:cs typeface="Times New Roman" pitchFamily="18" charset="0"/>
+                </a:endParaRPr>
+              </a:p>
+            </p:txBody>
+          </p:sp>
+          <p:sp>
+            <p:nvSpPr>
+              <p:cNvPr id="19" name="Rectangle 18"/>
+              <p:cNvSpPr/>
+              <p:nvPr/>
+            </p:nvSpPr>
+            <p:spPr>
+              <a:xfrm>
+                <a:off x="381000" y="5334000"/>
+                <a:ext cx="1143000" cy="609600"/>
+              </a:xfrm>
+              <a:prstGeom prst="rect">
+                <a:avLst/>
+              </a:prstGeom>
+              <a:noFill/>
+            </p:spPr>
+            <p:style>
+              <a:lnRef idx="2">
+                <a:schemeClr val="accent1">
+                  <a:shade val="50000"/>
+                </a:schemeClr>
+              </a:lnRef>
+              <a:fillRef idx="1">
+                <a:schemeClr val="accent1"/>
+              </a:fillRef>
+              <a:effectRef idx="0">
+                <a:schemeClr val="accent1"/>
+              </a:effectRef>
+              <a:fontRef idx="minor">
+                <a:schemeClr val="lt1"/>
+              </a:fontRef>
+            </p:style>
+            <p:txBody>
+              <a:bodyPr rtlCol="0" anchor="ctr"/>
+              <a:lstStyle/>
+              <a:p>
+                <a:pPr algn="ctr"/>
+                <a:r>
+                  <a:rPr lang="en-US" sz="1600" dirty="0" err="1" smtClean="0">
+                    <a:solidFill>
+                      <a:schemeClr val="tx1"/>
+                    </a:solidFill>
+                    <a:latin typeface="Times New Roman" pitchFamily="18" charset="0"/>
+                    <a:cs typeface="Times New Roman" pitchFamily="18" charset="0"/>
+                  </a:rPr>
+                  <a:t>Rút</a:t>
+                </a:r>
+                <a:r>
+                  <a:rPr lang="en-US" sz="1600" dirty="0" smtClean="0">
+                    <a:solidFill>
+                      <a:schemeClr val="tx1"/>
+                    </a:solidFill>
+                    <a:latin typeface="Times New Roman" pitchFamily="18" charset="0"/>
+                    <a:cs typeface="Times New Roman" pitchFamily="18" charset="0"/>
+                  </a:rPr>
+                  <a:t> </a:t>
+                </a:r>
+                <a:r>
+                  <a:rPr lang="en-US" sz="1600" dirty="0" err="1" smtClean="0">
+                    <a:solidFill>
+                      <a:schemeClr val="tx1"/>
+                    </a:solidFill>
+                    <a:latin typeface="Times New Roman" pitchFamily="18" charset="0"/>
+                    <a:cs typeface="Times New Roman" pitchFamily="18" charset="0"/>
+                  </a:rPr>
+                  <a:t>trích</a:t>
+                </a:r>
+                <a:r>
+                  <a:rPr lang="en-US" sz="1600" dirty="0" smtClean="0">
+                    <a:solidFill>
+                      <a:schemeClr val="tx1"/>
+                    </a:solidFill>
+                    <a:latin typeface="Times New Roman" pitchFamily="18" charset="0"/>
+                    <a:cs typeface="Times New Roman" pitchFamily="18" charset="0"/>
+                  </a:rPr>
+                  <a:t> </a:t>
+                </a:r>
+                <a:r>
+                  <a:rPr lang="en-US" sz="1600" dirty="0" err="1" smtClean="0">
+                    <a:solidFill>
+                      <a:schemeClr val="tx1"/>
+                    </a:solidFill>
+                    <a:latin typeface="Times New Roman" pitchFamily="18" charset="0"/>
+                    <a:cs typeface="Times New Roman" pitchFamily="18" charset="0"/>
+                  </a:rPr>
+                  <a:t>cá</a:t>
+                </a:r>
+                <a:r>
+                  <a:rPr lang="en-US" sz="1600" dirty="0" smtClean="0">
+                    <a:solidFill>
+                      <a:schemeClr val="tx1"/>
+                    </a:solidFill>
+                    <a:latin typeface="Times New Roman" pitchFamily="18" charset="0"/>
+                    <a:cs typeface="Times New Roman" pitchFamily="18" charset="0"/>
+                  </a:rPr>
+                  <a:t> </a:t>
+                </a:r>
+                <a:r>
+                  <a:rPr lang="en-US" sz="1600" dirty="0" err="1" smtClean="0">
+                    <a:solidFill>
+                      <a:schemeClr val="tx1"/>
+                    </a:solidFill>
+                    <a:latin typeface="Times New Roman" pitchFamily="18" charset="0"/>
+                    <a:cs typeface="Times New Roman" pitchFamily="18" charset="0"/>
+                  </a:rPr>
+                  <a:t>thể</a:t>
+                </a:r>
+                <a:endParaRPr lang="en-US" sz="1600" dirty="0">
+                  <a:solidFill>
+                    <a:schemeClr val="tx1"/>
+                  </a:solidFill>
+                  <a:latin typeface="Times New Roman" pitchFamily="18" charset="0"/>
+                  <a:cs typeface="Times New Roman" pitchFamily="18" charset="0"/>
+                </a:endParaRPr>
+              </a:p>
+            </p:txBody>
+          </p:sp>
+          <p:sp>
+            <p:nvSpPr>
+              <p:cNvPr id="21" name="Rectangle 20"/>
+              <p:cNvSpPr/>
+              <p:nvPr/>
+            </p:nvSpPr>
+            <p:spPr>
+              <a:xfrm>
+                <a:off x="381000" y="3733800"/>
+                <a:ext cx="1295400" cy="609600"/>
+              </a:xfrm>
+              <a:prstGeom prst="rect">
+                <a:avLst/>
+              </a:prstGeom>
+              <a:noFill/>
+            </p:spPr>
+            <p:style>
+              <a:lnRef idx="2">
+                <a:schemeClr val="accent1">
+                  <a:shade val="50000"/>
+                </a:schemeClr>
+              </a:lnRef>
+              <a:fillRef idx="1">
+                <a:schemeClr val="accent1"/>
+              </a:fillRef>
+              <a:effectRef idx="0">
+                <a:schemeClr val="accent1"/>
+              </a:effectRef>
+              <a:fontRef idx="minor">
+                <a:schemeClr val="lt1"/>
+              </a:fontRef>
+            </p:style>
+            <p:txBody>
+              <a:bodyPr rtlCol="0" anchor="ctr"/>
+              <a:lstStyle/>
+              <a:p>
+                <a:pPr algn="ctr"/>
+                <a:r>
+                  <a:rPr lang="en-US" sz="1600" dirty="0" err="1" smtClean="0">
+                    <a:solidFill>
+                      <a:schemeClr val="tx1"/>
+                    </a:solidFill>
+                    <a:latin typeface="Times New Roman" pitchFamily="18" charset="0"/>
+                    <a:cs typeface="Times New Roman" pitchFamily="18" charset="0"/>
+                  </a:rPr>
+                  <a:t>Cập</a:t>
+                </a:r>
+                <a:r>
+                  <a:rPr lang="en-US" sz="1600" dirty="0" smtClean="0">
+                    <a:solidFill>
+                      <a:schemeClr val="tx1"/>
+                    </a:solidFill>
+                    <a:latin typeface="Times New Roman" pitchFamily="18" charset="0"/>
+                    <a:cs typeface="Times New Roman" pitchFamily="18" charset="0"/>
+                  </a:rPr>
+                  <a:t> </a:t>
+                </a:r>
+                <a:r>
+                  <a:rPr lang="en-US" sz="1600" dirty="0" err="1" smtClean="0">
+                    <a:solidFill>
+                      <a:schemeClr val="tx1"/>
+                    </a:solidFill>
+                    <a:latin typeface="Times New Roman" pitchFamily="18" charset="0"/>
+                    <a:cs typeface="Times New Roman" pitchFamily="18" charset="0"/>
+                  </a:rPr>
+                  <a:t>nhật</a:t>
+                </a:r>
+                <a:r>
+                  <a:rPr lang="en-US" sz="1600" dirty="0" smtClean="0">
+                    <a:solidFill>
+                      <a:schemeClr val="tx1"/>
+                    </a:solidFill>
+                    <a:latin typeface="Times New Roman" pitchFamily="18" charset="0"/>
+                    <a:cs typeface="Times New Roman" pitchFamily="18" charset="0"/>
+                  </a:rPr>
+                  <a:t> </a:t>
+                </a:r>
+                <a:r>
+                  <a:rPr lang="en-US" sz="1600" dirty="0" err="1" smtClean="0">
+                    <a:solidFill>
+                      <a:schemeClr val="tx1"/>
+                    </a:solidFill>
+                    <a:latin typeface="Times New Roman" pitchFamily="18" charset="0"/>
+                    <a:cs typeface="Times New Roman" pitchFamily="18" charset="0"/>
+                  </a:rPr>
+                  <a:t>vào</a:t>
+                </a:r>
+                <a:r>
+                  <a:rPr lang="en-US" sz="1600" dirty="0" smtClean="0">
+                    <a:solidFill>
+                      <a:schemeClr val="tx1"/>
+                    </a:solidFill>
+                    <a:latin typeface="Times New Roman" pitchFamily="18" charset="0"/>
+                    <a:cs typeface="Times New Roman" pitchFamily="18" charset="0"/>
+                  </a:rPr>
+                  <a:t> Ontology</a:t>
+                </a:r>
+                <a:endParaRPr lang="en-US" sz="1600" dirty="0">
+                  <a:solidFill>
+                    <a:schemeClr val="tx1"/>
+                  </a:solidFill>
+                  <a:latin typeface="Times New Roman" pitchFamily="18" charset="0"/>
+                  <a:cs typeface="Times New Roman" pitchFamily="18" charset="0"/>
+                </a:endParaRPr>
+              </a:p>
+            </p:txBody>
+          </p:sp>
+          <p:pic>
+            <p:nvPicPr>
+              <p:cNvPr id="22" name="Picture 21" descr="images.jpg"/>
+              <p:cNvPicPr>
+                <a:picLocks noChangeAspect="1"/>
+              </p:cNvPicPr>
+              <p:nvPr/>
+            </p:nvPicPr>
+            <p:blipFill>
+              <a:blip r:embed="rId2"/>
+              <a:stretch>
+                <a:fillRect/>
+              </a:stretch>
+            </p:blipFill>
+            <p:spPr>
+              <a:xfrm>
+                <a:off x="2438401" y="3352800"/>
+                <a:ext cx="1046708" cy="838200"/>
+              </a:xfrm>
+              <a:prstGeom prst="rect">
+                <a:avLst/>
+              </a:prstGeom>
+            </p:spPr>
+          </p:pic>
+          <p:sp>
+            <p:nvSpPr>
+              <p:cNvPr id="23" name="Right Arrow 22"/>
+              <p:cNvSpPr/>
+              <p:nvPr/>
+            </p:nvSpPr>
+            <p:spPr>
+              <a:xfrm>
+                <a:off x="1371600" y="1981200"/>
+                <a:ext cx="914400" cy="152400"/>
+              </a:xfrm>
+              <a:prstGeom prst="rightArrow">
+                <a:avLst/>
+              </a:prstGeom>
+            </p:spPr>
+            <p:style>
+              <a:lnRef idx="2">
+                <a:schemeClr val="accent1">
+                  <a:shade val="50000"/>
+                </a:schemeClr>
+              </a:lnRef>
+              <a:fillRef idx="1">
+                <a:schemeClr val="accent1"/>
+              </a:fillRef>
+              <a:effectRef idx="0">
+                <a:schemeClr val="accent1"/>
+              </a:effectRef>
+              <a:fontRef idx="minor">
+                <a:schemeClr val="lt1"/>
+              </a:fontRef>
+            </p:style>
+            <p:txBody>
+              <a:bodyPr rtlCol="0" anchor="ctr"/>
+              <a:lstStyle/>
+              <a:p>
+                <a:pPr algn="ctr"/>
+                <a:endParaRPr lang="en-US"/>
+              </a:p>
+            </p:txBody>
+          </p:sp>
+          <p:sp>
+            <p:nvSpPr>
+              <p:cNvPr id="24" name="Right Arrow 23"/>
+              <p:cNvSpPr/>
+              <p:nvPr/>
+            </p:nvSpPr>
+            <p:spPr>
+              <a:xfrm>
+                <a:off x="3505200" y="1981200"/>
+                <a:ext cx="990600" cy="152400"/>
+              </a:xfrm>
+              <a:prstGeom prst="rightArrow">
+                <a:avLst/>
+              </a:prstGeom>
+            </p:spPr>
+            <p:style>
+              <a:lnRef idx="2">
+                <a:schemeClr val="accent1">
+                  <a:shade val="50000"/>
+                </a:schemeClr>
+              </a:lnRef>
+              <a:fillRef idx="1">
+                <a:schemeClr val="accent1"/>
+              </a:fillRef>
+              <a:effectRef idx="0">
+                <a:schemeClr val="accent1"/>
+              </a:effectRef>
+              <a:fontRef idx="minor">
+                <a:schemeClr val="lt1"/>
+              </a:fontRef>
+            </p:style>
+            <p:txBody>
+              <a:bodyPr rtlCol="0" anchor="ctr"/>
+              <a:lstStyle/>
+              <a:p>
+                <a:pPr algn="ctr"/>
+                <a:endParaRPr lang="en-US"/>
+              </a:p>
+            </p:txBody>
+          </p:sp>
+          <p:sp>
+            <p:nvSpPr>
+              <p:cNvPr id="25" name="Up Arrow 24"/>
+              <p:cNvSpPr/>
+              <p:nvPr/>
+            </p:nvSpPr>
+            <p:spPr>
+              <a:xfrm>
+                <a:off x="2819400" y="2438400"/>
+                <a:ext cx="213362" cy="838200"/>
+              </a:xfrm>
+              <a:prstGeom prst="upArrow">
+                <a:avLst/>
+              </a:prstGeom>
+            </p:spPr>
+            <p:style>
+              <a:lnRef idx="2">
+                <a:schemeClr val="accent1">
+                  <a:shade val="50000"/>
+                </a:schemeClr>
+              </a:lnRef>
+              <a:fillRef idx="1">
+                <a:schemeClr val="accent1"/>
+              </a:fillRef>
+              <a:effectRef idx="0">
+                <a:schemeClr val="accent1"/>
+              </a:effectRef>
+              <a:fontRef idx="minor">
+                <a:schemeClr val="lt1"/>
+              </a:fontRef>
+            </p:style>
+            <p:txBody>
+              <a:bodyPr rtlCol="0" anchor="ctr"/>
+              <a:lstStyle/>
+              <a:p>
+                <a:pPr algn="ctr"/>
+                <a:endParaRPr lang="en-US"/>
+              </a:p>
+            </p:txBody>
+          </p:sp>
+          <p:sp>
+            <p:nvSpPr>
+              <p:cNvPr id="26" name="Down Arrow 25"/>
+              <p:cNvSpPr/>
+              <p:nvPr/>
+            </p:nvSpPr>
+            <p:spPr>
+              <a:xfrm flipH="1">
+                <a:off x="4953000" y="2438400"/>
+                <a:ext cx="152400" cy="609600"/>
+              </a:xfrm>
+              <a:prstGeom prst="downArrow">
+                <a:avLst/>
+              </a:prstGeom>
+            </p:spPr>
+            <p:style>
+              <a:lnRef idx="2">
+                <a:schemeClr val="accent1">
+                  <a:shade val="50000"/>
+                </a:schemeClr>
+              </a:lnRef>
+              <a:fillRef idx="1">
+                <a:schemeClr val="accent1"/>
+              </a:fillRef>
+              <a:effectRef idx="0">
+                <a:schemeClr val="accent1"/>
+              </a:effectRef>
+              <a:fontRef idx="minor">
+                <a:schemeClr val="lt1"/>
+              </a:fontRef>
+            </p:style>
+            <p:txBody>
+              <a:bodyPr rtlCol="0" anchor="ctr"/>
+              <a:lstStyle/>
+              <a:p>
+                <a:pPr algn="ctr"/>
+                <a:endParaRPr lang="en-US"/>
+              </a:p>
+            </p:txBody>
+          </p:sp>
+          <p:sp>
+            <p:nvSpPr>
+              <p:cNvPr id="27" name="Down Arrow 26"/>
+              <p:cNvSpPr/>
+              <p:nvPr/>
+            </p:nvSpPr>
+            <p:spPr>
+              <a:xfrm flipH="1">
+                <a:off x="4876800" y="3962400"/>
+                <a:ext cx="152400" cy="609600"/>
+              </a:xfrm>
+              <a:prstGeom prst="downArrow">
+                <a:avLst/>
+              </a:prstGeom>
+            </p:spPr>
+            <p:style>
+              <a:lnRef idx="2">
+                <a:schemeClr val="accent1">
+                  <a:shade val="50000"/>
+                </a:schemeClr>
+              </a:lnRef>
+              <a:fillRef idx="1">
+                <a:schemeClr val="accent1"/>
+              </a:fillRef>
+              <a:effectRef idx="0">
+                <a:schemeClr val="accent1"/>
+              </a:effectRef>
+              <a:fontRef idx="minor">
+                <a:schemeClr val="lt1"/>
+              </a:fontRef>
+            </p:style>
+            <p:txBody>
+              <a:bodyPr rtlCol="0" anchor="ctr"/>
+              <a:lstStyle/>
+              <a:p>
+                <a:pPr algn="ctr"/>
+                <a:endParaRPr lang="en-US"/>
+              </a:p>
+            </p:txBody>
+          </p:sp>
+          <p:sp>
+            <p:nvSpPr>
+              <p:cNvPr id="28" name="Down Arrow 27"/>
+              <p:cNvSpPr/>
+              <p:nvPr/>
+            </p:nvSpPr>
+            <p:spPr>
+              <a:xfrm flipH="1">
+                <a:off x="4876800" y="5257800"/>
+                <a:ext cx="152400" cy="609600"/>
+              </a:xfrm>
+              <a:prstGeom prst="downArrow">
+                <a:avLst/>
+              </a:prstGeom>
+            </p:spPr>
+            <p:style>
+              <a:lnRef idx="2">
+                <a:schemeClr val="accent1">
+                  <a:shade val="50000"/>
+                </a:schemeClr>
+              </a:lnRef>
+              <a:fillRef idx="1">
+                <a:schemeClr val="accent1"/>
+              </a:fillRef>
+              <a:effectRef idx="0">
+                <a:schemeClr val="accent1"/>
+              </a:effectRef>
+              <a:fontRef idx="minor">
+                <a:schemeClr val="lt1"/>
+              </a:fontRef>
+            </p:style>
+            <p:txBody>
+              <a:bodyPr rtlCol="0" anchor="ctr"/>
+              <a:lstStyle/>
+              <a:p>
+                <a:pPr algn="ctr"/>
+                <a:endParaRPr lang="en-US"/>
+              </a:p>
+            </p:txBody>
+          </p:sp>
+          <p:sp>
+            <p:nvSpPr>
+              <p:cNvPr id="29" name="Left Arrow 28"/>
+              <p:cNvSpPr/>
+              <p:nvPr/>
+            </p:nvSpPr>
+            <p:spPr>
+              <a:xfrm>
+                <a:off x="3581400" y="6172200"/>
+                <a:ext cx="762000" cy="152400"/>
+              </a:xfrm>
+              <a:prstGeom prst="leftArrow">
+                <a:avLst/>
+              </a:prstGeom>
+            </p:spPr>
+            <p:style>
+              <a:lnRef idx="2">
+                <a:schemeClr val="accent1">
+                  <a:shade val="50000"/>
+                </a:schemeClr>
+              </a:lnRef>
+              <a:fillRef idx="1">
+                <a:schemeClr val="accent1"/>
+              </a:fillRef>
+              <a:effectRef idx="0">
+                <a:schemeClr val="accent1"/>
+              </a:effectRef>
+              <a:fontRef idx="minor">
+                <a:schemeClr val="lt1"/>
+              </a:fontRef>
+            </p:style>
+            <p:txBody>
+              <a:bodyPr rtlCol="0" anchor="ctr"/>
+              <a:lstStyle/>
+              <a:p>
+                <a:pPr algn="ctr"/>
+                <a:endParaRPr lang="en-US"/>
+              </a:p>
+            </p:txBody>
+          </p:sp>
+          <p:sp>
+            <p:nvSpPr>
+              <p:cNvPr id="30" name="Left Arrow 29"/>
+              <p:cNvSpPr/>
+              <p:nvPr/>
+            </p:nvSpPr>
+            <p:spPr>
+              <a:xfrm rot="1185014">
+                <a:off x="1542453" y="6052749"/>
+                <a:ext cx="685800" cy="228600"/>
+              </a:xfrm>
+              <a:prstGeom prst="leftArrow">
+                <a:avLst/>
+              </a:prstGeom>
+            </p:spPr>
+            <p:style>
+              <a:lnRef idx="2">
+                <a:schemeClr val="accent1">
+                  <a:shade val="50000"/>
+                </a:schemeClr>
+              </a:lnRef>
+              <a:fillRef idx="1">
+                <a:schemeClr val="accent1"/>
+              </a:fillRef>
+              <a:effectRef idx="0">
+                <a:schemeClr val="accent1"/>
+              </a:effectRef>
+              <a:fontRef idx="minor">
+                <a:schemeClr val="lt1"/>
+              </a:fontRef>
+            </p:style>
+            <p:txBody>
+              <a:bodyPr rtlCol="0" anchor="ctr"/>
+              <a:lstStyle/>
+              <a:p>
+                <a:pPr algn="ctr"/>
+                <a:endParaRPr lang="en-US"/>
+              </a:p>
+            </p:txBody>
+          </p:sp>
+          <p:sp>
+            <p:nvSpPr>
+              <p:cNvPr id="31" name="Up Arrow 30"/>
+              <p:cNvSpPr/>
+              <p:nvPr/>
+            </p:nvSpPr>
+            <p:spPr>
+              <a:xfrm>
+                <a:off x="914400" y="4419600"/>
+                <a:ext cx="228600" cy="838200"/>
+              </a:xfrm>
+              <a:prstGeom prst="upArrow">
+                <a:avLst/>
+              </a:prstGeom>
+            </p:spPr>
+            <p:style>
+              <a:lnRef idx="2">
+                <a:schemeClr val="accent1">
+                  <a:shade val="50000"/>
+                </a:schemeClr>
+              </a:lnRef>
+              <a:fillRef idx="1">
+                <a:schemeClr val="accent1"/>
+              </a:fillRef>
+              <a:effectRef idx="0">
+                <a:schemeClr val="accent1"/>
+              </a:effectRef>
+              <a:fontRef idx="minor">
+                <a:schemeClr val="lt1"/>
+              </a:fontRef>
+            </p:style>
+            <p:txBody>
+              <a:bodyPr rtlCol="0" anchor="ctr"/>
+              <a:lstStyle/>
+              <a:p>
+                <a:pPr algn="ctr"/>
+                <a:endParaRPr lang="en-US"/>
+              </a:p>
+            </p:txBody>
+          </p:sp>
+          <p:sp>
+            <p:nvSpPr>
+              <p:cNvPr id="32" name="Up Arrow 31"/>
+              <p:cNvSpPr/>
+              <p:nvPr/>
+            </p:nvSpPr>
+            <p:spPr>
+              <a:xfrm>
+                <a:off x="838200" y="2438400"/>
+                <a:ext cx="228600" cy="1295400"/>
+              </a:xfrm>
+              <a:prstGeom prst="upArrow">
+                <a:avLst/>
+              </a:prstGeom>
+            </p:spPr>
+            <p:style>
+              <a:lnRef idx="2">
+                <a:schemeClr val="accent1">
+                  <a:shade val="50000"/>
+                </a:schemeClr>
+              </a:lnRef>
+              <a:fillRef idx="1">
+                <a:schemeClr val="accent1"/>
+              </a:fillRef>
+              <a:effectRef idx="0">
+                <a:schemeClr val="accent1"/>
+              </a:effectRef>
+              <a:fontRef idx="minor">
+                <a:schemeClr val="lt1"/>
+              </a:fontRef>
+            </p:style>
+            <p:txBody>
+              <a:bodyPr rtlCol="0" anchor="ctr"/>
+              <a:lstStyle/>
+              <a:p>
+                <a:pPr algn="ctr"/>
+                <a:endParaRPr lang="en-US"/>
+              </a:p>
+            </p:txBody>
+          </p:sp>
+          <p:sp>
+            <p:nvSpPr>
+              <p:cNvPr id="33" name="Left Arrow 32"/>
+              <p:cNvSpPr/>
+              <p:nvPr/>
+            </p:nvSpPr>
+            <p:spPr>
+              <a:xfrm>
+                <a:off x="1752600" y="3886200"/>
+                <a:ext cx="838200" cy="152400"/>
+              </a:xfrm>
+              <a:prstGeom prst="leftArrow">
+                <a:avLst/>
+              </a:prstGeom>
+            </p:spPr>
+            <p:style>
+              <a:lnRef idx="2">
+                <a:schemeClr val="accent1">
+                  <a:shade val="50000"/>
+                </a:schemeClr>
+              </a:lnRef>
+              <a:fillRef idx="1">
+                <a:schemeClr val="accent1"/>
+              </a:fillRef>
+              <a:effectRef idx="0">
+                <a:schemeClr val="accent1"/>
+              </a:effectRef>
+              <a:fontRef idx="minor">
+                <a:schemeClr val="lt1"/>
+              </a:fontRef>
+            </p:style>
+            <p:txBody>
+              <a:bodyPr rtlCol="0" anchor="ctr"/>
+              <a:lstStyle/>
+              <a:p>
+                <a:pPr algn="ctr"/>
+                <a:endParaRPr lang="en-US"/>
+              </a:p>
+            </p:txBody>
+          </p:sp>
+          <p:sp>
+            <p:nvSpPr>
+              <p:cNvPr id="34" name="Down Arrow 33"/>
+              <p:cNvSpPr/>
+              <p:nvPr/>
+            </p:nvSpPr>
+            <p:spPr>
+              <a:xfrm>
+                <a:off x="7620000" y="2514600"/>
+                <a:ext cx="228600" cy="533400"/>
+              </a:xfrm>
+              <a:prstGeom prst="downArrow">
+                <a:avLst/>
+              </a:prstGeom>
+            </p:spPr>
+            <p:style>
+              <a:lnRef idx="2">
+                <a:schemeClr val="accent1">
+                  <a:shade val="50000"/>
+                </a:schemeClr>
+              </a:lnRef>
+              <a:fillRef idx="1">
+                <a:schemeClr val="accent1"/>
+              </a:fillRef>
+              <a:effectRef idx="0">
+                <a:schemeClr val="accent1"/>
+              </a:effectRef>
+              <a:fontRef idx="minor">
+                <a:schemeClr val="lt1"/>
+              </a:fontRef>
+            </p:style>
+            <p:txBody>
+              <a:bodyPr rtlCol="0" anchor="ctr"/>
+              <a:lstStyle/>
+              <a:p>
+                <a:pPr algn="ctr"/>
+                <a:endParaRPr lang="en-US"/>
+              </a:p>
+            </p:txBody>
+          </p:sp>
+          <p:sp>
+            <p:nvSpPr>
+              <p:cNvPr id="35" name="Down Arrow 34"/>
+              <p:cNvSpPr/>
+              <p:nvPr/>
+            </p:nvSpPr>
+            <p:spPr>
+              <a:xfrm>
+                <a:off x="7543800" y="3886200"/>
+                <a:ext cx="228600" cy="533400"/>
+              </a:xfrm>
+              <a:prstGeom prst="downArrow">
+                <a:avLst/>
+              </a:prstGeom>
+            </p:spPr>
+            <p:style>
+              <a:lnRef idx="2">
+                <a:schemeClr val="accent1">
+                  <a:shade val="50000"/>
+                </a:schemeClr>
+              </a:lnRef>
+              <a:fillRef idx="1">
+                <a:schemeClr val="accent1"/>
+              </a:fillRef>
+              <a:effectRef idx="0">
+                <a:schemeClr val="accent1"/>
+              </a:effectRef>
+              <a:fontRef idx="minor">
+                <a:schemeClr val="lt1"/>
+              </a:fontRef>
+            </p:style>
+            <p:txBody>
+              <a:bodyPr rtlCol="0" anchor="ctr"/>
+              <a:lstStyle/>
+              <a:p>
+                <a:pPr algn="ctr"/>
+                <a:endParaRPr lang="en-US"/>
+              </a:p>
+            </p:txBody>
+          </p:sp>
+          <p:sp>
+            <p:nvSpPr>
+              <p:cNvPr id="36" name="Down Arrow 35"/>
+              <p:cNvSpPr/>
+              <p:nvPr/>
+            </p:nvSpPr>
+            <p:spPr>
+              <a:xfrm>
+                <a:off x="7543800" y="5257800"/>
+                <a:ext cx="228600" cy="609600"/>
+              </a:xfrm>
+              <a:prstGeom prst="downArrow">
+                <a:avLst/>
+              </a:prstGeom>
+            </p:spPr>
+            <p:style>
+              <a:lnRef idx="2">
+                <a:schemeClr val="accent1">
+                  <a:shade val="50000"/>
+                </a:schemeClr>
+              </a:lnRef>
+              <a:fillRef idx="1">
+                <a:schemeClr val="accent1"/>
+              </a:fillRef>
+              <a:effectRef idx="0">
+                <a:schemeClr val="accent1"/>
+              </a:effectRef>
+              <a:fontRef idx="minor">
+                <a:schemeClr val="lt1"/>
+              </a:fontRef>
+            </p:style>
+            <p:txBody>
+              <a:bodyPr rtlCol="0" anchor="ctr"/>
+              <a:lstStyle/>
+              <a:p>
+                <a:pPr algn="ctr"/>
+                <a:endParaRPr lang="en-US"/>
+              </a:p>
+            </p:txBody>
+          </p:sp>
+          <p:sp>
+            <p:nvSpPr>
+              <p:cNvPr id="37" name="Left Arrow 36"/>
+              <p:cNvSpPr/>
+              <p:nvPr/>
+            </p:nvSpPr>
+            <p:spPr>
+              <a:xfrm>
+                <a:off x="5638800" y="6096000"/>
+                <a:ext cx="1295400" cy="228600"/>
+              </a:xfrm>
+              <a:prstGeom prst="leftArrow">
+                <a:avLst/>
+              </a:prstGeom>
+            </p:spPr>
+            <p:style>
+              <a:lnRef idx="2">
+                <a:schemeClr val="accent1">
+                  <a:shade val="50000"/>
+                </a:schemeClr>
+              </a:lnRef>
+              <a:fillRef idx="1">
+                <a:schemeClr val="accent1"/>
+              </a:fillRef>
+              <a:effectRef idx="0">
+                <a:schemeClr val="accent1"/>
+              </a:effectRef>
+              <a:fontRef idx="minor">
+                <a:schemeClr val="lt1"/>
+              </a:fontRef>
+            </p:style>
+            <p:txBody>
+              <a:bodyPr rtlCol="0" anchor="ctr"/>
+              <a:lstStyle/>
+              <a:p>
+                <a:pPr algn="ctr"/>
+                <a:endParaRPr lang="en-US"/>
+              </a:p>
+            </p:txBody>
+          </p:sp>
+          <p:sp>
+            <p:nvSpPr>
+              <p:cNvPr id="39" name="Cloud 38"/>
+              <p:cNvSpPr/>
+              <p:nvPr/>
+            </p:nvSpPr>
+            <p:spPr>
+              <a:xfrm>
+                <a:off x="2971800" y="152400"/>
+                <a:ext cx="1752600" cy="990600"/>
+              </a:xfrm>
+              <a:prstGeom prst="cloud">
+                <a:avLst/>
+              </a:prstGeom>
+              <a:noFill/>
+            </p:spPr>
+            <p:style>
+              <a:lnRef idx="2">
+                <a:schemeClr val="accent1">
+                  <a:shade val="50000"/>
+                </a:schemeClr>
+              </a:lnRef>
+              <a:fillRef idx="1">
+                <a:schemeClr val="accent1"/>
+              </a:fillRef>
+              <a:effectRef idx="0">
+                <a:schemeClr val="accent1"/>
+              </a:effectRef>
+              <a:fontRef idx="minor">
+                <a:schemeClr val="lt1"/>
+              </a:fontRef>
+            </p:style>
+            <p:txBody>
+              <a:bodyPr rtlCol="0" anchor="ctr"/>
+              <a:lstStyle/>
+              <a:p>
+                <a:pPr algn="ctr"/>
+                <a:r>
+                  <a:rPr lang="en-US" dirty="0" smtClean="0">
+                    <a:solidFill>
+                      <a:schemeClr val="tx1"/>
+                    </a:solidFill>
+                  </a:rPr>
+                  <a:t>Internet</a:t>
+                </a:r>
+                <a:endParaRPr lang="en-US" dirty="0">
+                  <a:solidFill>
+                    <a:schemeClr val="tx1"/>
+                  </a:solidFill>
+                </a:endParaRPr>
+              </a:p>
+            </p:txBody>
+          </p:sp>
+          <p:sp>
+            <p:nvSpPr>
+              <p:cNvPr id="44" name="Left-Right Arrow 43"/>
+              <p:cNvSpPr/>
+              <p:nvPr/>
+            </p:nvSpPr>
+            <p:spPr>
+              <a:xfrm rot="18988734">
+                <a:off x="2680780" y="1328858"/>
+                <a:ext cx="819287" cy="145748"/>
+              </a:xfrm>
+              <a:prstGeom prst="leftRightArrow">
+                <a:avLst/>
+              </a:prstGeom>
+            </p:spPr>
+            <p:style>
+              <a:lnRef idx="2">
+                <a:schemeClr val="accent1">
+                  <a:shade val="50000"/>
+                </a:schemeClr>
+              </a:lnRef>
+              <a:fillRef idx="1">
+                <a:schemeClr val="accent1"/>
+              </a:fillRef>
+              <a:effectRef idx="0">
+                <a:schemeClr val="accent1"/>
+              </a:effectRef>
+              <a:fontRef idx="minor">
+                <a:schemeClr val="lt1"/>
+              </a:fontRef>
+            </p:style>
+            <p:txBody>
+              <a:bodyPr rtlCol="0" anchor="ctr"/>
+              <a:lstStyle/>
+              <a:p>
+                <a:pPr algn="ctr"/>
+                <a:endParaRPr lang="en-US"/>
+              </a:p>
+            </p:txBody>
+          </p:sp>
+        </p:grpSp>
         <p:sp>
           <p:nvSpPr>
-            <p:cNvPr id="4" name="Flowchart: Magnetic Disk 3"/>
+            <p:cNvPr id="40" name="Left Arrow 39"/>
             <p:cNvSpPr/>
             <p:nvPr/>
           </p:nvSpPr>
           <p:spPr>
             <a:xfrm>
-              <a:off x="533400" y="1600200"/>
-              <a:ext cx="762000" cy="762000"/>
-            </a:xfrm>
-            <a:prstGeom prst="flowChartMagneticDisk">
-              <a:avLst/>
-            </a:prstGeom>
-            <a:noFill/>
-          </p:spPr>
-          <p:style>
-            <a:lnRef idx="2">
-              <a:schemeClr val="accent1">
-                <a:shade val="50000"/>
-              </a:schemeClr>
-            </a:lnRef>
-            <a:fillRef idx="1">
-              <a:schemeClr val="accent1"/>
-            </a:fillRef>
-            <a:effectRef idx="0">
-              <a:schemeClr val="accent1"/>
-            </a:effectRef>
-            <a:fontRef idx="minor">
-              <a:schemeClr val="lt1"/>
-            </a:fontRef>
-          </p:style>
-          <p:txBody>
-            <a:bodyPr rtlCol="0" anchor="ctr"/>
-            <a:lstStyle/>
-            <a:p>
-              <a:pPr algn="ctr"/>
-              <a:r>
-                <a:rPr lang="en-US" b="1" dirty="0" smtClean="0">
-                  <a:solidFill>
-                    <a:schemeClr val="tx1"/>
-                  </a:solidFill>
-                </a:rPr>
-                <a:t>OVIT</a:t>
-              </a:r>
-              <a:endParaRPr lang="en-US" b="1" dirty="0">
-                <a:solidFill>
-                  <a:schemeClr val="tx1"/>
-                </a:solidFill>
-              </a:endParaRPr>
-            </a:p>
-          </p:txBody>
-        </p:sp>
-        <p:sp>
-          <p:nvSpPr>
-            <p:cNvPr id="5" name="Rectangle 4"/>
-            <p:cNvSpPr/>
-            <p:nvPr/>
-          </p:nvSpPr>
-          <p:spPr>
-            <a:xfrm>
-              <a:off x="2362200" y="1676400"/>
-              <a:ext cx="1066800" cy="685800"/>
-            </a:xfrm>
-            <a:prstGeom prst="rect">
-              <a:avLst/>
-            </a:prstGeom>
-            <a:noFill/>
-          </p:spPr>
-          <p:style>
-            <a:lnRef idx="2">
-              <a:schemeClr val="accent1">
-                <a:shade val="50000"/>
-              </a:schemeClr>
-            </a:lnRef>
-            <a:fillRef idx="1">
-              <a:schemeClr val="accent1"/>
-            </a:fillRef>
-            <a:effectRef idx="0">
-              <a:schemeClr val="accent1"/>
-            </a:effectRef>
-            <a:fontRef idx="minor">
-              <a:schemeClr val="lt1"/>
-            </a:fontRef>
-          </p:style>
-          <p:txBody>
-            <a:bodyPr rtlCol="0" anchor="ctr"/>
-            <a:lstStyle/>
-            <a:p>
-              <a:pPr algn="ctr"/>
-              <a:r>
-                <a:rPr lang="en-US" sz="1400" dirty="0" err="1" smtClean="0">
-                  <a:solidFill>
-                    <a:schemeClr val="tx1"/>
-                  </a:solidFill>
-                  <a:latin typeface="Times New Roman" pitchFamily="18" charset="0"/>
-                  <a:cs typeface="Times New Roman" pitchFamily="18" charset="0"/>
-                </a:rPr>
-                <a:t>Tìm</a:t>
-              </a:r>
-              <a:r>
-                <a:rPr lang="en-US" sz="1400" dirty="0" smtClean="0">
-                  <a:solidFill>
-                    <a:schemeClr val="tx1"/>
-                  </a:solidFill>
-                  <a:latin typeface="Times New Roman" pitchFamily="18" charset="0"/>
-                  <a:cs typeface="Times New Roman" pitchFamily="18" charset="0"/>
-                </a:rPr>
-                <a:t> </a:t>
-              </a:r>
-              <a:r>
-                <a:rPr lang="en-US" sz="1400" dirty="0" err="1" smtClean="0">
-                  <a:solidFill>
-                    <a:schemeClr val="tx1"/>
-                  </a:solidFill>
-                  <a:latin typeface="Times New Roman" pitchFamily="18" charset="0"/>
-                  <a:cs typeface="Times New Roman" pitchFamily="18" charset="0"/>
-                </a:rPr>
-                <a:t>kiếm</a:t>
-              </a:r>
-              <a:r>
-                <a:rPr lang="en-US" sz="1400" dirty="0" smtClean="0">
-                  <a:solidFill>
-                    <a:schemeClr val="tx1"/>
-                  </a:solidFill>
-                  <a:latin typeface="Times New Roman" pitchFamily="18" charset="0"/>
-                  <a:cs typeface="Times New Roman" pitchFamily="18" charset="0"/>
-                </a:rPr>
-                <a:t> </a:t>
-              </a:r>
-              <a:r>
-                <a:rPr lang="en-US" sz="1400" dirty="0" err="1" smtClean="0">
-                  <a:solidFill>
-                    <a:schemeClr val="tx1"/>
-                  </a:solidFill>
-                  <a:latin typeface="Times New Roman" pitchFamily="18" charset="0"/>
-                  <a:cs typeface="Times New Roman" pitchFamily="18" charset="0"/>
-                </a:rPr>
-                <a:t>tài</a:t>
-              </a:r>
-              <a:r>
-                <a:rPr lang="en-US" sz="1400" dirty="0" smtClean="0">
-                  <a:solidFill>
-                    <a:schemeClr val="tx1"/>
-                  </a:solidFill>
-                  <a:latin typeface="Times New Roman" pitchFamily="18" charset="0"/>
-                  <a:cs typeface="Times New Roman" pitchFamily="18" charset="0"/>
-                </a:rPr>
-                <a:t> </a:t>
-              </a:r>
-              <a:r>
-                <a:rPr lang="en-US" sz="1400" dirty="0" err="1" smtClean="0">
-                  <a:solidFill>
-                    <a:schemeClr val="tx1"/>
-                  </a:solidFill>
-                  <a:latin typeface="Times New Roman" pitchFamily="18" charset="0"/>
-                  <a:cs typeface="Times New Roman" pitchFamily="18" charset="0"/>
-                </a:rPr>
-                <a:t>liệu</a:t>
-              </a:r>
-              <a:r>
-                <a:rPr lang="en-US" sz="1400" dirty="0" smtClean="0">
-                  <a:solidFill>
-                    <a:schemeClr val="tx1"/>
-                  </a:solidFill>
-                  <a:latin typeface="Times New Roman" pitchFamily="18" charset="0"/>
-                  <a:cs typeface="Times New Roman" pitchFamily="18" charset="0"/>
-                </a:rPr>
-                <a:t> </a:t>
-              </a:r>
-              <a:r>
-                <a:rPr lang="en-US" sz="1400" dirty="0" err="1" smtClean="0">
-                  <a:solidFill>
-                    <a:schemeClr val="tx1"/>
-                  </a:solidFill>
-                  <a:latin typeface="Times New Roman" pitchFamily="18" charset="0"/>
-                  <a:cs typeface="Times New Roman" pitchFamily="18" charset="0"/>
-                </a:rPr>
-                <a:t>liên</a:t>
-              </a:r>
-              <a:r>
-                <a:rPr lang="en-US" sz="1400" dirty="0" smtClean="0">
-                  <a:solidFill>
-                    <a:schemeClr val="tx1"/>
-                  </a:solidFill>
-                  <a:latin typeface="Times New Roman" pitchFamily="18" charset="0"/>
-                  <a:cs typeface="Times New Roman" pitchFamily="18" charset="0"/>
-                </a:rPr>
-                <a:t> </a:t>
-              </a:r>
-              <a:r>
-                <a:rPr lang="en-US" sz="1400" dirty="0" err="1" smtClean="0">
-                  <a:solidFill>
-                    <a:schemeClr val="tx1"/>
-                  </a:solidFill>
-                  <a:latin typeface="Times New Roman" pitchFamily="18" charset="0"/>
-                  <a:cs typeface="Times New Roman" pitchFamily="18" charset="0"/>
-                </a:rPr>
-                <a:t>quan</a:t>
-              </a:r>
-              <a:endParaRPr lang="en-US" sz="1400" dirty="0">
-                <a:solidFill>
-                  <a:schemeClr val="tx1"/>
-                </a:solidFill>
-                <a:latin typeface="Times New Roman" pitchFamily="18" charset="0"/>
-                <a:cs typeface="Times New Roman" pitchFamily="18" charset="0"/>
-              </a:endParaRPr>
-            </a:p>
-          </p:txBody>
-        </p:sp>
-        <p:sp>
-          <p:nvSpPr>
-            <p:cNvPr id="7" name="Flowchart: Multidocument 6"/>
-            <p:cNvSpPr/>
-            <p:nvPr/>
-          </p:nvSpPr>
-          <p:spPr>
-            <a:xfrm>
-              <a:off x="7086600" y="1752600"/>
-              <a:ext cx="1295400" cy="762000"/>
-            </a:xfrm>
-            <a:prstGeom prst="flowChartMultidocument">
-              <a:avLst/>
-            </a:prstGeom>
-            <a:noFill/>
-          </p:spPr>
-          <p:style>
-            <a:lnRef idx="2">
-              <a:schemeClr val="accent1">
-                <a:shade val="50000"/>
-              </a:schemeClr>
-            </a:lnRef>
-            <a:fillRef idx="1">
-              <a:schemeClr val="accent1"/>
-            </a:fillRef>
-            <a:effectRef idx="0">
-              <a:schemeClr val="accent1"/>
-            </a:effectRef>
-            <a:fontRef idx="minor">
-              <a:schemeClr val="lt1"/>
-            </a:fontRef>
-          </p:style>
-          <p:txBody>
-            <a:bodyPr rtlCol="0" anchor="ctr"/>
-            <a:lstStyle/>
-            <a:p>
-              <a:pPr algn="ctr"/>
-              <a:r>
-                <a:rPr lang="en-US" sz="1600" b="1" dirty="0" err="1" smtClean="0">
-                  <a:solidFill>
-                    <a:schemeClr val="tx1"/>
-                  </a:solidFill>
-                  <a:latin typeface="Times New Roman" pitchFamily="18" charset="0"/>
-                  <a:cs typeface="Times New Roman" pitchFamily="18" charset="0"/>
-                </a:rPr>
-                <a:t>Tập</a:t>
-              </a:r>
-              <a:r>
-                <a:rPr lang="en-US" sz="1600" b="1" dirty="0" smtClean="0">
-                  <a:solidFill>
-                    <a:schemeClr val="tx1"/>
-                  </a:solidFill>
-                  <a:latin typeface="Times New Roman" pitchFamily="18" charset="0"/>
-                  <a:cs typeface="Times New Roman" pitchFamily="18" charset="0"/>
-                </a:rPr>
-                <a:t> </a:t>
-              </a:r>
-              <a:r>
-                <a:rPr lang="en-US" sz="1600" b="1" dirty="0" err="1" smtClean="0">
-                  <a:solidFill>
-                    <a:schemeClr val="tx1"/>
-                  </a:solidFill>
-                  <a:latin typeface="Times New Roman" pitchFamily="18" charset="0"/>
-                  <a:cs typeface="Times New Roman" pitchFamily="18" charset="0"/>
-                </a:rPr>
-                <a:t>huấn</a:t>
-              </a:r>
-              <a:r>
-                <a:rPr lang="en-US" sz="1600" b="1" dirty="0" smtClean="0">
-                  <a:solidFill>
-                    <a:schemeClr val="tx1"/>
-                  </a:solidFill>
-                  <a:latin typeface="Times New Roman" pitchFamily="18" charset="0"/>
-                  <a:cs typeface="Times New Roman" pitchFamily="18" charset="0"/>
-                </a:rPr>
-                <a:t> </a:t>
-              </a:r>
-              <a:r>
-                <a:rPr lang="en-US" sz="1600" b="1" dirty="0" err="1" smtClean="0">
-                  <a:solidFill>
-                    <a:schemeClr val="tx1"/>
-                  </a:solidFill>
-                  <a:latin typeface="Times New Roman" pitchFamily="18" charset="0"/>
-                  <a:cs typeface="Times New Roman" pitchFamily="18" charset="0"/>
-                </a:rPr>
-                <a:t>luyện</a:t>
-              </a:r>
-              <a:endParaRPr lang="en-US" sz="1600" b="1" dirty="0">
-                <a:solidFill>
-                  <a:schemeClr val="tx1"/>
-                </a:solidFill>
-                <a:latin typeface="Times New Roman" pitchFamily="18" charset="0"/>
-                <a:cs typeface="Times New Roman" pitchFamily="18" charset="0"/>
-              </a:endParaRPr>
-            </a:p>
-          </p:txBody>
-        </p:sp>
-        <p:sp>
-          <p:nvSpPr>
-            <p:cNvPr id="8" name="Rectangle 7"/>
-            <p:cNvSpPr/>
-            <p:nvPr/>
-          </p:nvSpPr>
-          <p:spPr>
-            <a:xfrm>
-              <a:off x="4419600" y="3124200"/>
-              <a:ext cx="1143000" cy="762000"/>
-            </a:xfrm>
-            <a:prstGeom prst="rect">
-              <a:avLst/>
-            </a:prstGeom>
-            <a:noFill/>
-          </p:spPr>
-          <p:style>
-            <a:lnRef idx="2">
-              <a:schemeClr val="accent1">
-                <a:shade val="50000"/>
-              </a:schemeClr>
-            </a:lnRef>
-            <a:fillRef idx="1">
-              <a:schemeClr val="accent1"/>
-            </a:fillRef>
-            <a:effectRef idx="0">
-              <a:schemeClr val="accent1"/>
-            </a:effectRef>
-            <a:fontRef idx="minor">
-              <a:schemeClr val="lt1"/>
-            </a:fontRef>
-          </p:style>
-          <p:txBody>
-            <a:bodyPr rtlCol="0" anchor="ctr"/>
-            <a:lstStyle/>
-            <a:p>
-              <a:pPr algn="ctr"/>
-              <a:r>
-                <a:rPr lang="en-US" sz="1600" dirty="0" err="1" smtClean="0">
-                  <a:solidFill>
-                    <a:schemeClr val="tx1"/>
-                  </a:solidFill>
-                  <a:latin typeface="Times New Roman" pitchFamily="18" charset="0"/>
-                  <a:cs typeface="Times New Roman" pitchFamily="18" charset="0"/>
-                </a:rPr>
-                <a:t>Tách</a:t>
-              </a:r>
-              <a:r>
-                <a:rPr lang="en-US" sz="1600" dirty="0" smtClean="0">
-                  <a:solidFill>
-                    <a:schemeClr val="tx1"/>
-                  </a:solidFill>
-                  <a:latin typeface="Times New Roman" pitchFamily="18" charset="0"/>
-                  <a:cs typeface="Times New Roman" pitchFamily="18" charset="0"/>
-                </a:rPr>
-                <a:t> </a:t>
-              </a:r>
-              <a:r>
-                <a:rPr lang="en-US" sz="1600" dirty="0" err="1" smtClean="0">
-                  <a:solidFill>
-                    <a:schemeClr val="tx1"/>
-                  </a:solidFill>
-                  <a:latin typeface="Times New Roman" pitchFamily="18" charset="0"/>
-                  <a:cs typeface="Times New Roman" pitchFamily="18" charset="0"/>
-                </a:rPr>
-                <a:t>từ</a:t>
-              </a:r>
-              <a:r>
-                <a:rPr lang="en-US" sz="1600" dirty="0" smtClean="0">
-                  <a:solidFill>
-                    <a:schemeClr val="tx1"/>
-                  </a:solidFill>
-                  <a:latin typeface="Times New Roman" pitchFamily="18" charset="0"/>
-                  <a:cs typeface="Times New Roman" pitchFamily="18" charset="0"/>
-                </a:rPr>
-                <a:t> &amp; </a:t>
-              </a:r>
-              <a:r>
-                <a:rPr lang="en-US" sz="1600" dirty="0" err="1" smtClean="0">
-                  <a:solidFill>
-                    <a:schemeClr val="tx1"/>
-                  </a:solidFill>
-                  <a:latin typeface="Times New Roman" pitchFamily="18" charset="0"/>
-                  <a:cs typeface="Times New Roman" pitchFamily="18" charset="0"/>
-                </a:rPr>
-                <a:t>Loại</a:t>
-              </a:r>
-              <a:r>
-                <a:rPr lang="en-US" sz="1600" dirty="0" smtClean="0">
-                  <a:solidFill>
-                    <a:schemeClr val="tx1"/>
-                  </a:solidFill>
-                  <a:latin typeface="Times New Roman" pitchFamily="18" charset="0"/>
-                  <a:cs typeface="Times New Roman" pitchFamily="18" charset="0"/>
-                </a:rPr>
-                <a:t> </a:t>
-              </a:r>
-              <a:r>
-                <a:rPr lang="en-US" sz="1600" dirty="0" err="1" smtClean="0">
-                  <a:solidFill>
-                    <a:schemeClr val="tx1"/>
-                  </a:solidFill>
-                  <a:latin typeface="Times New Roman" pitchFamily="18" charset="0"/>
-                  <a:cs typeface="Times New Roman" pitchFamily="18" charset="0"/>
-                </a:rPr>
-                <a:t>bỏ</a:t>
-              </a:r>
-              <a:r>
-                <a:rPr lang="en-US" sz="1600" dirty="0" smtClean="0">
-                  <a:solidFill>
-                    <a:schemeClr val="tx1"/>
-                  </a:solidFill>
-                  <a:latin typeface="Times New Roman" pitchFamily="18" charset="0"/>
-                  <a:cs typeface="Times New Roman" pitchFamily="18" charset="0"/>
-                </a:rPr>
-                <a:t> h</a:t>
-              </a:r>
-              <a:r>
-                <a:rPr lang="vi-VN" sz="1600" dirty="0" smtClean="0">
-                  <a:solidFill>
-                    <a:schemeClr val="tx1"/>
-                  </a:solidFill>
-                  <a:latin typeface="Times New Roman" pitchFamily="18" charset="0"/>
-                  <a:cs typeface="Times New Roman" pitchFamily="18" charset="0"/>
-                </a:rPr>
-                <a:t>ư</a:t>
-              </a:r>
-              <a:r>
-                <a:rPr lang="en-US" sz="1600" dirty="0" smtClean="0">
-                  <a:solidFill>
-                    <a:schemeClr val="tx1"/>
-                  </a:solidFill>
-                  <a:latin typeface="Times New Roman" pitchFamily="18" charset="0"/>
-                  <a:cs typeface="Times New Roman" pitchFamily="18" charset="0"/>
-                </a:rPr>
-                <a:t> </a:t>
-              </a:r>
-              <a:r>
-                <a:rPr lang="en-US" sz="1600" dirty="0" err="1" smtClean="0">
-                  <a:solidFill>
-                    <a:schemeClr val="tx1"/>
-                  </a:solidFill>
-                  <a:latin typeface="Times New Roman" pitchFamily="18" charset="0"/>
-                  <a:cs typeface="Times New Roman" pitchFamily="18" charset="0"/>
-                </a:rPr>
-                <a:t>từ</a:t>
-              </a:r>
-              <a:endParaRPr lang="en-US" sz="1600" dirty="0">
-                <a:solidFill>
-                  <a:schemeClr val="tx1"/>
-                </a:solidFill>
-                <a:latin typeface="Times New Roman" pitchFamily="18" charset="0"/>
-                <a:cs typeface="Times New Roman" pitchFamily="18" charset="0"/>
-              </a:endParaRPr>
-            </a:p>
-          </p:txBody>
-        </p:sp>
-        <p:sp>
-          <p:nvSpPr>
-            <p:cNvPr id="9" name="Rectangle 8"/>
-            <p:cNvSpPr/>
-            <p:nvPr/>
-          </p:nvSpPr>
-          <p:spPr>
-            <a:xfrm>
-              <a:off x="4419600" y="4572000"/>
-              <a:ext cx="1143000" cy="609600"/>
-            </a:xfrm>
-            <a:prstGeom prst="rect">
-              <a:avLst/>
-            </a:prstGeom>
-            <a:noFill/>
-          </p:spPr>
-          <p:style>
-            <a:lnRef idx="2">
-              <a:schemeClr val="accent1">
-                <a:shade val="50000"/>
-              </a:schemeClr>
-            </a:lnRef>
-            <a:fillRef idx="1">
-              <a:schemeClr val="accent1"/>
-            </a:fillRef>
-            <a:effectRef idx="0">
-              <a:schemeClr val="accent1"/>
-            </a:effectRef>
-            <a:fontRef idx="minor">
-              <a:schemeClr val="lt1"/>
-            </a:fontRef>
-          </p:style>
-          <p:txBody>
-            <a:bodyPr rtlCol="0" anchor="ctr"/>
-            <a:lstStyle/>
-            <a:p>
-              <a:pPr algn="ctr"/>
-              <a:r>
-                <a:rPr lang="en-US" sz="1600" dirty="0" err="1" smtClean="0">
-                  <a:solidFill>
-                    <a:schemeClr val="tx1"/>
-                  </a:solidFill>
-                  <a:latin typeface="Times New Roman" pitchFamily="18" charset="0"/>
-                  <a:cs typeface="Times New Roman" pitchFamily="18" charset="0"/>
-                </a:rPr>
-                <a:t>Tính</a:t>
-              </a:r>
-              <a:r>
-                <a:rPr lang="en-US" sz="1600" dirty="0" smtClean="0">
-                  <a:solidFill>
-                    <a:schemeClr val="tx1"/>
-                  </a:solidFill>
-                  <a:latin typeface="Times New Roman" pitchFamily="18" charset="0"/>
-                  <a:cs typeface="Times New Roman" pitchFamily="18" charset="0"/>
-                </a:rPr>
-                <a:t> </a:t>
-              </a:r>
-              <a:r>
-                <a:rPr lang="vi-VN" sz="1600" dirty="0" smtClean="0">
-                  <a:solidFill>
-                    <a:schemeClr val="tx1"/>
-                  </a:solidFill>
-                  <a:latin typeface="Times New Roman" pitchFamily="18" charset="0"/>
-                  <a:cs typeface="Times New Roman" pitchFamily="18" charset="0"/>
-                </a:rPr>
-                <a:t>đặc</a:t>
-              </a:r>
-              <a:r>
-                <a:rPr lang="en-US" sz="1600" dirty="0" smtClean="0">
-                  <a:solidFill>
-                    <a:schemeClr val="tx1"/>
-                  </a:solidFill>
-                  <a:latin typeface="Times New Roman" pitchFamily="18" charset="0"/>
-                  <a:cs typeface="Times New Roman" pitchFamily="18" charset="0"/>
-                </a:rPr>
-                <a:t> </a:t>
-              </a:r>
-              <a:r>
-                <a:rPr lang="en-US" sz="1600" dirty="0" err="1" smtClean="0">
-                  <a:solidFill>
-                    <a:schemeClr val="tx1"/>
-                  </a:solidFill>
-                  <a:latin typeface="Times New Roman" pitchFamily="18" charset="0"/>
-                  <a:cs typeface="Times New Roman" pitchFamily="18" charset="0"/>
-                </a:rPr>
-                <a:t>tr</a:t>
-              </a:r>
-              <a:r>
-                <a:rPr lang="vi-VN" sz="1600" dirty="0" smtClean="0">
-                  <a:solidFill>
-                    <a:schemeClr val="tx1"/>
-                  </a:solidFill>
-                  <a:latin typeface="Times New Roman" pitchFamily="18" charset="0"/>
-                  <a:cs typeface="Times New Roman" pitchFamily="18" charset="0"/>
-                </a:rPr>
-                <a:t>ưn</a:t>
-              </a:r>
-              <a:r>
-                <a:rPr lang="en-US" sz="1600" dirty="0" smtClean="0">
-                  <a:solidFill>
-                    <a:schemeClr val="tx1"/>
-                  </a:solidFill>
-                  <a:latin typeface="Times New Roman" pitchFamily="18" charset="0"/>
-                  <a:cs typeface="Times New Roman" pitchFamily="18" charset="0"/>
-                </a:rPr>
-                <a:t>g</a:t>
-              </a:r>
-              <a:endParaRPr lang="en-US" sz="1600" dirty="0">
-                <a:solidFill>
-                  <a:schemeClr val="tx1"/>
-                </a:solidFill>
-                <a:latin typeface="Times New Roman" pitchFamily="18" charset="0"/>
-                <a:cs typeface="Times New Roman" pitchFamily="18" charset="0"/>
-              </a:endParaRPr>
-            </a:p>
-          </p:txBody>
-        </p:sp>
-        <p:sp>
-          <p:nvSpPr>
-            <p:cNvPr id="10" name="Rectangle 9"/>
-            <p:cNvSpPr/>
-            <p:nvPr/>
-          </p:nvSpPr>
-          <p:spPr>
-            <a:xfrm>
-              <a:off x="4419600" y="5943600"/>
-              <a:ext cx="1143000" cy="609600"/>
-            </a:xfrm>
-            <a:prstGeom prst="rect">
-              <a:avLst/>
-            </a:prstGeom>
-            <a:noFill/>
-          </p:spPr>
-          <p:style>
-            <a:lnRef idx="2">
-              <a:schemeClr val="accent1">
-                <a:shade val="50000"/>
-              </a:schemeClr>
-            </a:lnRef>
-            <a:fillRef idx="1">
-              <a:schemeClr val="accent1"/>
-            </a:fillRef>
-            <a:effectRef idx="0">
-              <a:schemeClr val="accent1"/>
-            </a:effectRef>
-            <a:fontRef idx="minor">
-              <a:schemeClr val="lt1"/>
-            </a:fontRef>
-          </p:style>
-          <p:txBody>
-            <a:bodyPr rtlCol="0" anchor="ctr"/>
-            <a:lstStyle/>
-            <a:p>
-              <a:pPr algn="ctr"/>
-              <a:r>
-                <a:rPr lang="en-US" sz="1600" dirty="0" smtClean="0">
-                  <a:solidFill>
-                    <a:schemeClr val="tx1"/>
-                  </a:solidFill>
-                  <a:latin typeface="Times New Roman" pitchFamily="18" charset="0"/>
-                  <a:cs typeface="Times New Roman" pitchFamily="18" charset="0"/>
-                </a:rPr>
-                <a:t>SVM</a:t>
-              </a:r>
-              <a:endParaRPr lang="en-US" sz="1600" dirty="0">
-                <a:solidFill>
-                  <a:schemeClr val="tx1"/>
-                </a:solidFill>
-                <a:latin typeface="Times New Roman" pitchFamily="18" charset="0"/>
-                <a:cs typeface="Times New Roman" pitchFamily="18" charset="0"/>
-              </a:endParaRPr>
-            </a:p>
-          </p:txBody>
-        </p:sp>
-        <p:sp>
-          <p:nvSpPr>
-            <p:cNvPr id="11" name="Flowchart: Multidocument 10"/>
-            <p:cNvSpPr/>
-            <p:nvPr/>
-          </p:nvSpPr>
-          <p:spPr>
-            <a:xfrm>
-              <a:off x="4572000" y="1676400"/>
-              <a:ext cx="1066800" cy="762000"/>
-            </a:xfrm>
-            <a:prstGeom prst="flowChartMultidocument">
-              <a:avLst/>
-            </a:prstGeom>
-            <a:noFill/>
-          </p:spPr>
-          <p:style>
-            <a:lnRef idx="2">
-              <a:schemeClr val="accent1">
-                <a:shade val="50000"/>
-              </a:schemeClr>
-            </a:lnRef>
-            <a:fillRef idx="1">
-              <a:schemeClr val="accent1"/>
-            </a:fillRef>
-            <a:effectRef idx="0">
-              <a:schemeClr val="accent1"/>
-            </a:effectRef>
-            <a:fontRef idx="minor">
-              <a:schemeClr val="lt1"/>
-            </a:fontRef>
-          </p:style>
-          <p:txBody>
-            <a:bodyPr rtlCol="0" anchor="ctr"/>
-            <a:lstStyle/>
-            <a:p>
-              <a:pPr algn="ctr"/>
-              <a:r>
-                <a:rPr lang="en-US" sz="1400" b="1" dirty="0" smtClean="0">
-                  <a:solidFill>
-                    <a:schemeClr val="tx1"/>
-                  </a:solidFill>
-                  <a:latin typeface="Times New Roman" pitchFamily="18" charset="0"/>
-                  <a:cs typeface="Times New Roman" pitchFamily="18" charset="0"/>
-                </a:rPr>
-                <a:t>HTML, PDF files</a:t>
-              </a:r>
-              <a:endParaRPr lang="en-US" sz="1400" b="1" dirty="0">
-                <a:solidFill>
-                  <a:schemeClr val="tx1"/>
-                </a:solidFill>
-                <a:latin typeface="Times New Roman" pitchFamily="18" charset="0"/>
-                <a:cs typeface="Times New Roman" pitchFamily="18" charset="0"/>
-              </a:endParaRPr>
-            </a:p>
-          </p:txBody>
-        </p:sp>
-        <p:sp>
-          <p:nvSpPr>
-            <p:cNvPr id="15" name="Rectangle 14"/>
-            <p:cNvSpPr/>
-            <p:nvPr/>
-          </p:nvSpPr>
-          <p:spPr>
-            <a:xfrm>
-              <a:off x="7086600" y="3048000"/>
-              <a:ext cx="1143000" cy="762000"/>
-            </a:xfrm>
-            <a:prstGeom prst="rect">
-              <a:avLst/>
-            </a:prstGeom>
-            <a:noFill/>
-          </p:spPr>
-          <p:style>
-            <a:lnRef idx="2">
-              <a:schemeClr val="accent1">
-                <a:shade val="50000"/>
-              </a:schemeClr>
-            </a:lnRef>
-            <a:fillRef idx="1">
-              <a:schemeClr val="accent1"/>
-            </a:fillRef>
-            <a:effectRef idx="0">
-              <a:schemeClr val="accent1"/>
-            </a:effectRef>
-            <a:fontRef idx="minor">
-              <a:schemeClr val="lt1"/>
-            </a:fontRef>
-          </p:style>
-          <p:txBody>
-            <a:bodyPr rtlCol="0" anchor="ctr"/>
-            <a:lstStyle/>
-            <a:p>
-              <a:pPr algn="ctr"/>
-              <a:r>
-                <a:rPr lang="en-US" sz="1600" dirty="0" err="1" smtClean="0">
-                  <a:solidFill>
-                    <a:schemeClr val="tx1"/>
-                  </a:solidFill>
-                  <a:latin typeface="Times New Roman" pitchFamily="18" charset="0"/>
-                  <a:cs typeface="Times New Roman" pitchFamily="18" charset="0"/>
-                </a:rPr>
-                <a:t>Tách</a:t>
-              </a:r>
-              <a:r>
-                <a:rPr lang="en-US" sz="1600" dirty="0" smtClean="0">
-                  <a:solidFill>
-                    <a:schemeClr val="tx1"/>
-                  </a:solidFill>
-                  <a:latin typeface="Times New Roman" pitchFamily="18" charset="0"/>
-                  <a:cs typeface="Times New Roman" pitchFamily="18" charset="0"/>
-                </a:rPr>
-                <a:t> </a:t>
-              </a:r>
-              <a:r>
-                <a:rPr lang="en-US" sz="1600" dirty="0" err="1" smtClean="0">
-                  <a:solidFill>
-                    <a:schemeClr val="tx1"/>
-                  </a:solidFill>
-                  <a:latin typeface="Times New Roman" pitchFamily="18" charset="0"/>
-                  <a:cs typeface="Times New Roman" pitchFamily="18" charset="0"/>
-                </a:rPr>
-                <a:t>từ</a:t>
-              </a:r>
-              <a:r>
-                <a:rPr lang="en-US" sz="1600" dirty="0" smtClean="0">
-                  <a:solidFill>
-                    <a:schemeClr val="tx1"/>
-                  </a:solidFill>
-                  <a:latin typeface="Times New Roman" pitchFamily="18" charset="0"/>
-                  <a:cs typeface="Times New Roman" pitchFamily="18" charset="0"/>
-                </a:rPr>
-                <a:t> &amp; </a:t>
-              </a:r>
-              <a:r>
-                <a:rPr lang="en-US" sz="1600" dirty="0" err="1" smtClean="0">
-                  <a:solidFill>
-                    <a:schemeClr val="tx1"/>
-                  </a:solidFill>
-                  <a:latin typeface="Times New Roman" pitchFamily="18" charset="0"/>
-                  <a:cs typeface="Times New Roman" pitchFamily="18" charset="0"/>
-                </a:rPr>
-                <a:t>Loại</a:t>
-              </a:r>
-              <a:r>
-                <a:rPr lang="en-US" sz="1600" dirty="0" smtClean="0">
-                  <a:solidFill>
-                    <a:schemeClr val="tx1"/>
-                  </a:solidFill>
-                  <a:latin typeface="Times New Roman" pitchFamily="18" charset="0"/>
-                  <a:cs typeface="Times New Roman" pitchFamily="18" charset="0"/>
-                </a:rPr>
-                <a:t> </a:t>
-              </a:r>
-              <a:r>
-                <a:rPr lang="en-US" sz="1600" dirty="0" err="1" smtClean="0">
-                  <a:solidFill>
-                    <a:schemeClr val="tx1"/>
-                  </a:solidFill>
-                  <a:latin typeface="Times New Roman" pitchFamily="18" charset="0"/>
-                  <a:cs typeface="Times New Roman" pitchFamily="18" charset="0"/>
-                </a:rPr>
-                <a:t>bỏ</a:t>
-              </a:r>
-              <a:r>
-                <a:rPr lang="en-US" sz="1600" dirty="0" smtClean="0">
-                  <a:solidFill>
-                    <a:schemeClr val="tx1"/>
-                  </a:solidFill>
-                  <a:latin typeface="Times New Roman" pitchFamily="18" charset="0"/>
-                  <a:cs typeface="Times New Roman" pitchFamily="18" charset="0"/>
-                </a:rPr>
-                <a:t> h</a:t>
-              </a:r>
-              <a:r>
-                <a:rPr lang="vi-VN" sz="1600" dirty="0" smtClean="0">
-                  <a:solidFill>
-                    <a:schemeClr val="tx1"/>
-                  </a:solidFill>
-                  <a:latin typeface="Times New Roman" pitchFamily="18" charset="0"/>
-                  <a:cs typeface="Times New Roman" pitchFamily="18" charset="0"/>
-                </a:rPr>
-                <a:t>ư</a:t>
-              </a:r>
-              <a:r>
-                <a:rPr lang="en-US" sz="1600" dirty="0" smtClean="0">
-                  <a:solidFill>
-                    <a:schemeClr val="tx1"/>
-                  </a:solidFill>
-                  <a:latin typeface="Times New Roman" pitchFamily="18" charset="0"/>
-                  <a:cs typeface="Times New Roman" pitchFamily="18" charset="0"/>
-                </a:rPr>
-                <a:t> </a:t>
-              </a:r>
-              <a:r>
-                <a:rPr lang="en-US" sz="1600" dirty="0" err="1" smtClean="0">
-                  <a:solidFill>
-                    <a:schemeClr val="tx1"/>
-                  </a:solidFill>
-                  <a:latin typeface="Times New Roman" pitchFamily="18" charset="0"/>
-                  <a:cs typeface="Times New Roman" pitchFamily="18" charset="0"/>
-                </a:rPr>
-                <a:t>từ</a:t>
-              </a:r>
-              <a:endParaRPr lang="en-US" sz="1600" dirty="0">
-                <a:solidFill>
-                  <a:schemeClr val="tx1"/>
-                </a:solidFill>
-                <a:latin typeface="Times New Roman" pitchFamily="18" charset="0"/>
-                <a:cs typeface="Times New Roman" pitchFamily="18" charset="0"/>
-              </a:endParaRPr>
-            </a:p>
-          </p:txBody>
-        </p:sp>
-        <p:sp>
-          <p:nvSpPr>
-            <p:cNvPr id="16" name="Rectangle 15"/>
-            <p:cNvSpPr/>
-            <p:nvPr/>
-          </p:nvSpPr>
-          <p:spPr>
-            <a:xfrm>
-              <a:off x="7086600" y="4495800"/>
-              <a:ext cx="1143000" cy="762000"/>
-            </a:xfrm>
-            <a:prstGeom prst="rect">
-              <a:avLst/>
-            </a:prstGeom>
-            <a:noFill/>
-          </p:spPr>
-          <p:style>
-            <a:lnRef idx="2">
-              <a:schemeClr val="accent1">
-                <a:shade val="50000"/>
-              </a:schemeClr>
-            </a:lnRef>
-            <a:fillRef idx="1">
-              <a:schemeClr val="accent1"/>
-            </a:fillRef>
-            <a:effectRef idx="0">
-              <a:schemeClr val="accent1"/>
-            </a:effectRef>
-            <a:fontRef idx="minor">
-              <a:schemeClr val="lt1"/>
-            </a:fontRef>
-          </p:style>
-          <p:txBody>
-            <a:bodyPr rtlCol="0" anchor="ctr"/>
-            <a:lstStyle/>
-            <a:p>
-              <a:pPr algn="ctr"/>
-              <a:r>
-                <a:rPr lang="en-US" sz="1600" dirty="0" err="1" smtClean="0">
-                  <a:solidFill>
-                    <a:schemeClr val="tx1"/>
-                  </a:solidFill>
-                  <a:latin typeface="Times New Roman" pitchFamily="18" charset="0"/>
-                  <a:cs typeface="Times New Roman" pitchFamily="18" charset="0"/>
-                </a:rPr>
-                <a:t>Rút</a:t>
-              </a:r>
-              <a:r>
-                <a:rPr lang="en-US" sz="1600" dirty="0" smtClean="0">
-                  <a:solidFill>
-                    <a:schemeClr val="tx1"/>
-                  </a:solidFill>
-                  <a:latin typeface="Times New Roman" pitchFamily="18" charset="0"/>
-                  <a:cs typeface="Times New Roman" pitchFamily="18" charset="0"/>
-                </a:rPr>
-                <a:t> </a:t>
-              </a:r>
-              <a:r>
-                <a:rPr lang="en-US" sz="1600" dirty="0" err="1" smtClean="0">
-                  <a:solidFill>
-                    <a:schemeClr val="tx1"/>
-                  </a:solidFill>
-                  <a:latin typeface="Times New Roman" pitchFamily="18" charset="0"/>
-                  <a:cs typeface="Times New Roman" pitchFamily="18" charset="0"/>
-                </a:rPr>
-                <a:t>trích</a:t>
-              </a:r>
-              <a:r>
-                <a:rPr lang="en-US" sz="1600" dirty="0" smtClean="0">
-                  <a:solidFill>
-                    <a:schemeClr val="tx1"/>
-                  </a:solidFill>
-                  <a:latin typeface="Times New Roman" pitchFamily="18" charset="0"/>
-                  <a:cs typeface="Times New Roman" pitchFamily="18" charset="0"/>
-                </a:rPr>
-                <a:t> </a:t>
-              </a:r>
-              <a:r>
-                <a:rPr lang="vi-VN" sz="1600" dirty="0" smtClean="0">
-                  <a:solidFill>
-                    <a:schemeClr val="tx1"/>
-                  </a:solidFill>
-                  <a:latin typeface="Times New Roman" pitchFamily="18" charset="0"/>
-                  <a:cs typeface="Times New Roman" pitchFamily="18" charset="0"/>
-                </a:rPr>
-                <a:t>đặc</a:t>
-              </a:r>
-              <a:r>
-                <a:rPr lang="en-US" sz="1600" dirty="0" smtClean="0">
-                  <a:solidFill>
-                    <a:schemeClr val="tx1"/>
-                  </a:solidFill>
-                  <a:latin typeface="Times New Roman" pitchFamily="18" charset="0"/>
-                  <a:cs typeface="Times New Roman" pitchFamily="18" charset="0"/>
-                </a:rPr>
-                <a:t> </a:t>
-              </a:r>
-              <a:r>
-                <a:rPr lang="en-US" sz="1600" dirty="0" err="1" smtClean="0">
-                  <a:solidFill>
-                    <a:schemeClr val="tx1"/>
-                  </a:solidFill>
-                  <a:latin typeface="Times New Roman" pitchFamily="18" charset="0"/>
-                  <a:cs typeface="Times New Roman" pitchFamily="18" charset="0"/>
-                </a:rPr>
-                <a:t>tr</a:t>
-              </a:r>
-              <a:r>
-                <a:rPr lang="vi-VN" sz="1600" dirty="0" smtClean="0">
-                  <a:solidFill>
-                    <a:schemeClr val="tx1"/>
-                  </a:solidFill>
-                  <a:latin typeface="Times New Roman" pitchFamily="18" charset="0"/>
-                  <a:cs typeface="Times New Roman" pitchFamily="18" charset="0"/>
-                </a:rPr>
-                <a:t>ưng</a:t>
-              </a:r>
-              <a:endParaRPr lang="en-US" sz="1600" dirty="0">
-                <a:solidFill>
-                  <a:schemeClr val="tx1"/>
-                </a:solidFill>
-                <a:latin typeface="Times New Roman" pitchFamily="18" charset="0"/>
-                <a:cs typeface="Times New Roman" pitchFamily="18" charset="0"/>
-              </a:endParaRPr>
-            </a:p>
-          </p:txBody>
-        </p:sp>
-        <p:sp>
-          <p:nvSpPr>
-            <p:cNvPr id="17" name="Rectangle 16"/>
-            <p:cNvSpPr/>
-            <p:nvPr/>
-          </p:nvSpPr>
-          <p:spPr>
-            <a:xfrm>
-              <a:off x="7010400" y="5867400"/>
-              <a:ext cx="1219200" cy="762000"/>
-            </a:xfrm>
-            <a:prstGeom prst="rect">
-              <a:avLst/>
-            </a:prstGeom>
-            <a:noFill/>
-          </p:spPr>
-          <p:style>
-            <a:lnRef idx="2">
-              <a:schemeClr val="accent1">
-                <a:shade val="50000"/>
-              </a:schemeClr>
-            </a:lnRef>
-            <a:fillRef idx="1">
-              <a:schemeClr val="accent1"/>
-            </a:fillRef>
-            <a:effectRef idx="0">
-              <a:schemeClr val="accent1"/>
-            </a:effectRef>
-            <a:fontRef idx="minor">
-              <a:schemeClr val="lt1"/>
-            </a:fontRef>
-          </p:style>
-          <p:txBody>
-            <a:bodyPr rtlCol="0" anchor="ctr"/>
-            <a:lstStyle/>
-            <a:p>
-              <a:pPr algn="ctr"/>
-              <a:r>
-                <a:rPr lang="en-US" sz="1600" dirty="0" err="1" smtClean="0">
-                  <a:solidFill>
-                    <a:schemeClr val="tx1"/>
-                  </a:solidFill>
-                  <a:latin typeface="Times New Roman" pitchFamily="18" charset="0"/>
-                  <a:cs typeface="Times New Roman" pitchFamily="18" charset="0"/>
-                </a:rPr>
-                <a:t>SVM_Train</a:t>
-              </a:r>
-              <a:endParaRPr lang="en-US" sz="1600" dirty="0">
-                <a:solidFill>
-                  <a:schemeClr val="tx1"/>
-                </a:solidFill>
-                <a:latin typeface="Times New Roman" pitchFamily="18" charset="0"/>
-                <a:cs typeface="Times New Roman" pitchFamily="18" charset="0"/>
-              </a:endParaRPr>
-            </a:p>
-          </p:txBody>
-        </p:sp>
-        <p:sp>
-          <p:nvSpPr>
-            <p:cNvPr id="18" name="Flowchart: Multidocument 17"/>
-            <p:cNvSpPr/>
-            <p:nvPr/>
-          </p:nvSpPr>
-          <p:spPr>
-            <a:xfrm>
-              <a:off x="2286000" y="5867400"/>
-              <a:ext cx="1219200" cy="838200"/>
-            </a:xfrm>
-            <a:prstGeom prst="flowChartMultidocument">
-              <a:avLst/>
-            </a:prstGeom>
-            <a:noFill/>
-          </p:spPr>
-          <p:style>
-            <a:lnRef idx="2">
-              <a:schemeClr val="accent1">
-                <a:shade val="50000"/>
-              </a:schemeClr>
-            </a:lnRef>
-            <a:fillRef idx="1">
-              <a:schemeClr val="accent1"/>
-            </a:fillRef>
-            <a:effectRef idx="0">
-              <a:schemeClr val="accent1"/>
-            </a:effectRef>
-            <a:fontRef idx="minor">
-              <a:schemeClr val="lt1"/>
-            </a:fontRef>
-          </p:style>
-          <p:txBody>
-            <a:bodyPr rtlCol="0" anchor="ctr"/>
-            <a:lstStyle/>
-            <a:p>
-              <a:pPr algn="ctr"/>
-              <a:r>
-                <a:rPr lang="en-US" sz="1600" b="1" dirty="0" err="1">
-                  <a:solidFill>
-                    <a:schemeClr val="tx1"/>
-                  </a:solidFill>
-                  <a:latin typeface="Times New Roman" pitchFamily="18" charset="0"/>
-                  <a:cs typeface="Times New Roman" pitchFamily="18" charset="0"/>
-                </a:rPr>
-                <a:t>T</a:t>
-              </a:r>
-              <a:r>
-                <a:rPr lang="en-US" sz="1600" b="1" dirty="0" err="1" smtClean="0">
-                  <a:solidFill>
-                    <a:schemeClr val="tx1"/>
-                  </a:solidFill>
-                  <a:latin typeface="Times New Roman" pitchFamily="18" charset="0"/>
-                  <a:cs typeface="Times New Roman" pitchFamily="18" charset="0"/>
-                </a:rPr>
-                <a:t>ài</a:t>
-              </a:r>
-              <a:r>
-                <a:rPr lang="en-US" sz="1600" b="1" dirty="0" smtClean="0">
-                  <a:solidFill>
-                    <a:schemeClr val="tx1"/>
-                  </a:solidFill>
-                  <a:latin typeface="Times New Roman" pitchFamily="18" charset="0"/>
-                  <a:cs typeface="Times New Roman" pitchFamily="18" charset="0"/>
-                </a:rPr>
-                <a:t> </a:t>
-              </a:r>
-              <a:r>
-                <a:rPr lang="en-US" sz="1600" b="1" dirty="0" err="1" smtClean="0">
-                  <a:solidFill>
-                    <a:schemeClr val="tx1"/>
-                  </a:solidFill>
-                  <a:latin typeface="Times New Roman" pitchFamily="18" charset="0"/>
-                  <a:cs typeface="Times New Roman" pitchFamily="18" charset="0"/>
-                </a:rPr>
-                <a:t>liệu</a:t>
-              </a:r>
-              <a:r>
-                <a:rPr lang="en-US" sz="1600" b="1" dirty="0" smtClean="0">
-                  <a:solidFill>
-                    <a:schemeClr val="tx1"/>
-                  </a:solidFill>
-                  <a:latin typeface="Times New Roman" pitchFamily="18" charset="0"/>
-                  <a:cs typeface="Times New Roman" pitchFamily="18" charset="0"/>
-                </a:rPr>
-                <a:t> CNTT</a:t>
-              </a:r>
-              <a:endParaRPr lang="en-US" sz="1600" b="1" dirty="0">
-                <a:solidFill>
-                  <a:schemeClr val="tx1"/>
-                </a:solidFill>
-                <a:latin typeface="Times New Roman" pitchFamily="18" charset="0"/>
-                <a:cs typeface="Times New Roman" pitchFamily="18" charset="0"/>
-              </a:endParaRPr>
-            </a:p>
-          </p:txBody>
-        </p:sp>
-        <p:sp>
-          <p:nvSpPr>
-            <p:cNvPr id="19" name="Rectangle 18"/>
-            <p:cNvSpPr/>
-            <p:nvPr/>
-          </p:nvSpPr>
-          <p:spPr>
-            <a:xfrm>
-              <a:off x="381000" y="5334000"/>
-              <a:ext cx="1143000" cy="609600"/>
-            </a:xfrm>
-            <a:prstGeom prst="rect">
-              <a:avLst/>
-            </a:prstGeom>
-            <a:noFill/>
-          </p:spPr>
-          <p:style>
-            <a:lnRef idx="2">
-              <a:schemeClr val="accent1">
-                <a:shade val="50000"/>
-              </a:schemeClr>
-            </a:lnRef>
-            <a:fillRef idx="1">
-              <a:schemeClr val="accent1"/>
-            </a:fillRef>
-            <a:effectRef idx="0">
-              <a:schemeClr val="accent1"/>
-            </a:effectRef>
-            <a:fontRef idx="minor">
-              <a:schemeClr val="lt1"/>
-            </a:fontRef>
-          </p:style>
-          <p:txBody>
-            <a:bodyPr rtlCol="0" anchor="ctr"/>
-            <a:lstStyle/>
-            <a:p>
-              <a:pPr algn="ctr"/>
-              <a:r>
-                <a:rPr lang="en-US" sz="1600" dirty="0" err="1" smtClean="0">
-                  <a:solidFill>
-                    <a:schemeClr val="tx1"/>
-                  </a:solidFill>
-                  <a:latin typeface="Times New Roman" pitchFamily="18" charset="0"/>
-                  <a:cs typeface="Times New Roman" pitchFamily="18" charset="0"/>
-                </a:rPr>
-                <a:t>Rút</a:t>
-              </a:r>
-              <a:r>
-                <a:rPr lang="en-US" sz="1600" dirty="0" smtClean="0">
-                  <a:solidFill>
-                    <a:schemeClr val="tx1"/>
-                  </a:solidFill>
-                  <a:latin typeface="Times New Roman" pitchFamily="18" charset="0"/>
-                  <a:cs typeface="Times New Roman" pitchFamily="18" charset="0"/>
-                </a:rPr>
-                <a:t> </a:t>
-              </a:r>
-              <a:r>
-                <a:rPr lang="en-US" sz="1600" dirty="0" err="1" smtClean="0">
-                  <a:solidFill>
-                    <a:schemeClr val="tx1"/>
-                  </a:solidFill>
-                  <a:latin typeface="Times New Roman" pitchFamily="18" charset="0"/>
-                  <a:cs typeface="Times New Roman" pitchFamily="18" charset="0"/>
-                </a:rPr>
-                <a:t>trích</a:t>
-              </a:r>
-              <a:r>
-                <a:rPr lang="en-US" sz="1600" dirty="0" smtClean="0">
-                  <a:solidFill>
-                    <a:schemeClr val="tx1"/>
-                  </a:solidFill>
-                  <a:latin typeface="Times New Roman" pitchFamily="18" charset="0"/>
-                  <a:cs typeface="Times New Roman" pitchFamily="18" charset="0"/>
-                </a:rPr>
-                <a:t> </a:t>
-              </a:r>
-              <a:r>
-                <a:rPr lang="en-US" sz="1600" dirty="0" err="1" smtClean="0">
-                  <a:solidFill>
-                    <a:schemeClr val="tx1"/>
-                  </a:solidFill>
-                  <a:latin typeface="Times New Roman" pitchFamily="18" charset="0"/>
-                  <a:cs typeface="Times New Roman" pitchFamily="18" charset="0"/>
-                </a:rPr>
-                <a:t>cá</a:t>
-              </a:r>
-              <a:r>
-                <a:rPr lang="en-US" sz="1600" dirty="0" smtClean="0">
-                  <a:solidFill>
-                    <a:schemeClr val="tx1"/>
-                  </a:solidFill>
-                  <a:latin typeface="Times New Roman" pitchFamily="18" charset="0"/>
-                  <a:cs typeface="Times New Roman" pitchFamily="18" charset="0"/>
-                </a:rPr>
-                <a:t> </a:t>
-              </a:r>
-              <a:r>
-                <a:rPr lang="en-US" sz="1600" dirty="0" err="1" smtClean="0">
-                  <a:solidFill>
-                    <a:schemeClr val="tx1"/>
-                  </a:solidFill>
-                  <a:latin typeface="Times New Roman" pitchFamily="18" charset="0"/>
-                  <a:cs typeface="Times New Roman" pitchFamily="18" charset="0"/>
-                </a:rPr>
-                <a:t>thể</a:t>
-              </a:r>
-              <a:endParaRPr lang="en-US" sz="1600" dirty="0">
-                <a:solidFill>
-                  <a:schemeClr val="tx1"/>
-                </a:solidFill>
-                <a:latin typeface="Times New Roman" pitchFamily="18" charset="0"/>
-                <a:cs typeface="Times New Roman" pitchFamily="18" charset="0"/>
-              </a:endParaRPr>
-            </a:p>
-          </p:txBody>
-        </p:sp>
-        <p:sp>
-          <p:nvSpPr>
-            <p:cNvPr id="21" name="Rectangle 20"/>
-            <p:cNvSpPr/>
-            <p:nvPr/>
-          </p:nvSpPr>
-          <p:spPr>
-            <a:xfrm>
-              <a:off x="381000" y="3733800"/>
-              <a:ext cx="1295400" cy="609600"/>
-            </a:xfrm>
-            <a:prstGeom prst="rect">
-              <a:avLst/>
-            </a:prstGeom>
-            <a:noFill/>
-          </p:spPr>
-          <p:style>
-            <a:lnRef idx="2">
-              <a:schemeClr val="accent1">
-                <a:shade val="50000"/>
-              </a:schemeClr>
-            </a:lnRef>
-            <a:fillRef idx="1">
-              <a:schemeClr val="accent1"/>
-            </a:fillRef>
-            <a:effectRef idx="0">
-              <a:schemeClr val="accent1"/>
-            </a:effectRef>
-            <a:fontRef idx="minor">
-              <a:schemeClr val="lt1"/>
-            </a:fontRef>
-          </p:style>
-          <p:txBody>
-            <a:bodyPr rtlCol="0" anchor="ctr"/>
-            <a:lstStyle/>
-            <a:p>
-              <a:pPr algn="ctr"/>
-              <a:r>
-                <a:rPr lang="en-US" sz="1600" dirty="0" err="1" smtClean="0">
-                  <a:solidFill>
-                    <a:schemeClr val="tx1"/>
-                  </a:solidFill>
-                  <a:latin typeface="Times New Roman" pitchFamily="18" charset="0"/>
-                  <a:cs typeface="Times New Roman" pitchFamily="18" charset="0"/>
-                </a:rPr>
-                <a:t>Cập</a:t>
-              </a:r>
-              <a:r>
-                <a:rPr lang="en-US" sz="1600" dirty="0" smtClean="0">
-                  <a:solidFill>
-                    <a:schemeClr val="tx1"/>
-                  </a:solidFill>
-                  <a:latin typeface="Times New Roman" pitchFamily="18" charset="0"/>
-                  <a:cs typeface="Times New Roman" pitchFamily="18" charset="0"/>
-                </a:rPr>
-                <a:t> </a:t>
-              </a:r>
-              <a:r>
-                <a:rPr lang="en-US" sz="1600" dirty="0" err="1" smtClean="0">
-                  <a:solidFill>
-                    <a:schemeClr val="tx1"/>
-                  </a:solidFill>
-                  <a:latin typeface="Times New Roman" pitchFamily="18" charset="0"/>
-                  <a:cs typeface="Times New Roman" pitchFamily="18" charset="0"/>
-                </a:rPr>
-                <a:t>nhật</a:t>
-              </a:r>
-              <a:r>
-                <a:rPr lang="en-US" sz="1600" dirty="0" smtClean="0">
-                  <a:solidFill>
-                    <a:schemeClr val="tx1"/>
-                  </a:solidFill>
-                  <a:latin typeface="Times New Roman" pitchFamily="18" charset="0"/>
-                  <a:cs typeface="Times New Roman" pitchFamily="18" charset="0"/>
-                </a:rPr>
-                <a:t> </a:t>
-              </a:r>
-              <a:r>
-                <a:rPr lang="en-US" sz="1600" dirty="0" err="1" smtClean="0">
-                  <a:solidFill>
-                    <a:schemeClr val="tx1"/>
-                  </a:solidFill>
-                  <a:latin typeface="Times New Roman" pitchFamily="18" charset="0"/>
-                  <a:cs typeface="Times New Roman" pitchFamily="18" charset="0"/>
-                </a:rPr>
-                <a:t>vào</a:t>
-              </a:r>
-              <a:r>
-                <a:rPr lang="en-US" sz="1600" dirty="0" smtClean="0">
-                  <a:solidFill>
-                    <a:schemeClr val="tx1"/>
-                  </a:solidFill>
-                  <a:latin typeface="Times New Roman" pitchFamily="18" charset="0"/>
-                  <a:cs typeface="Times New Roman" pitchFamily="18" charset="0"/>
-                </a:rPr>
-                <a:t> Ontology</a:t>
-              </a:r>
-              <a:endParaRPr lang="en-US" sz="1600" dirty="0">
-                <a:solidFill>
-                  <a:schemeClr val="tx1"/>
-                </a:solidFill>
-                <a:latin typeface="Times New Roman" pitchFamily="18" charset="0"/>
-                <a:cs typeface="Times New Roman" pitchFamily="18" charset="0"/>
-              </a:endParaRPr>
-            </a:p>
-          </p:txBody>
-        </p:sp>
-        <p:pic>
-          <p:nvPicPr>
-            <p:cNvPr id="22" name="Picture 21" descr="images.jpg"/>
-            <p:cNvPicPr>
-              <a:picLocks noChangeAspect="1"/>
-            </p:cNvPicPr>
-            <p:nvPr/>
-          </p:nvPicPr>
-          <p:blipFill>
-            <a:blip r:embed="rId2"/>
-            <a:stretch>
-              <a:fillRect/>
-            </a:stretch>
-          </p:blipFill>
-          <p:spPr>
-            <a:xfrm>
-              <a:off x="2438401" y="3352800"/>
-              <a:ext cx="1046708" cy="838200"/>
-            </a:xfrm>
-            <a:prstGeom prst="rect">
-              <a:avLst/>
-            </a:prstGeom>
-          </p:spPr>
-        </p:pic>
-        <p:sp>
-          <p:nvSpPr>
-            <p:cNvPr id="23" name="Right Arrow 22"/>
-            <p:cNvSpPr/>
-            <p:nvPr/>
-          </p:nvSpPr>
-          <p:spPr>
-            <a:xfrm>
-              <a:off x="1371600" y="1981200"/>
-              <a:ext cx="914400" cy="152400"/>
-            </a:xfrm>
-            <a:prstGeom prst="rightArrow">
-              <a:avLst/>
-            </a:prstGeom>
-          </p:spPr>
-          <p:style>
-            <a:lnRef idx="2">
-              <a:schemeClr val="accent1">
-                <a:shade val="50000"/>
-              </a:schemeClr>
-            </a:lnRef>
-            <a:fillRef idx="1">
-              <a:schemeClr val="accent1"/>
-            </a:fillRef>
-            <a:effectRef idx="0">
-              <a:schemeClr val="accent1"/>
-            </a:effectRef>
-            <a:fontRef idx="minor">
-              <a:schemeClr val="lt1"/>
-            </a:fontRef>
-          </p:style>
-          <p:txBody>
-            <a:bodyPr rtlCol="0" anchor="ctr"/>
-            <a:lstStyle/>
-            <a:p>
-              <a:pPr algn="ctr"/>
-              <a:endParaRPr lang="en-US"/>
-            </a:p>
-          </p:txBody>
-        </p:sp>
-        <p:sp>
-          <p:nvSpPr>
-            <p:cNvPr id="24" name="Right Arrow 23"/>
-            <p:cNvSpPr/>
-            <p:nvPr/>
-          </p:nvSpPr>
-          <p:spPr>
-            <a:xfrm>
-              <a:off x="3505200" y="1981200"/>
-              <a:ext cx="990600" cy="152400"/>
-            </a:xfrm>
-            <a:prstGeom prst="rightArrow">
-              <a:avLst/>
-            </a:prstGeom>
-          </p:spPr>
-          <p:style>
-            <a:lnRef idx="2">
-              <a:schemeClr val="accent1">
-                <a:shade val="50000"/>
-              </a:schemeClr>
-            </a:lnRef>
-            <a:fillRef idx="1">
-              <a:schemeClr val="accent1"/>
-            </a:fillRef>
-            <a:effectRef idx="0">
-              <a:schemeClr val="accent1"/>
-            </a:effectRef>
-            <a:fontRef idx="minor">
-              <a:schemeClr val="lt1"/>
-            </a:fontRef>
-          </p:style>
-          <p:txBody>
-            <a:bodyPr rtlCol="0" anchor="ctr"/>
-            <a:lstStyle/>
-            <a:p>
-              <a:pPr algn="ctr"/>
-              <a:endParaRPr lang="en-US"/>
-            </a:p>
-          </p:txBody>
-        </p:sp>
-        <p:sp>
-          <p:nvSpPr>
-            <p:cNvPr id="25" name="Up Arrow 24"/>
-            <p:cNvSpPr/>
-            <p:nvPr/>
-          </p:nvSpPr>
-          <p:spPr>
-            <a:xfrm>
-              <a:off x="2819400" y="2438400"/>
-              <a:ext cx="213362" cy="838200"/>
-            </a:xfrm>
-            <a:prstGeom prst="upArrow">
-              <a:avLst/>
-            </a:prstGeom>
-          </p:spPr>
-          <p:style>
-            <a:lnRef idx="2">
-              <a:schemeClr val="accent1">
-                <a:shade val="50000"/>
-              </a:schemeClr>
-            </a:lnRef>
-            <a:fillRef idx="1">
-              <a:schemeClr val="accent1"/>
-            </a:fillRef>
-            <a:effectRef idx="0">
-              <a:schemeClr val="accent1"/>
-            </a:effectRef>
-            <a:fontRef idx="minor">
-              <a:schemeClr val="lt1"/>
-            </a:fontRef>
-          </p:style>
-          <p:txBody>
-            <a:bodyPr rtlCol="0" anchor="ctr"/>
-            <a:lstStyle/>
-            <a:p>
-              <a:pPr algn="ctr"/>
-              <a:endParaRPr lang="en-US"/>
-            </a:p>
-          </p:txBody>
-        </p:sp>
-        <p:sp>
-          <p:nvSpPr>
-            <p:cNvPr id="26" name="Down Arrow 25"/>
-            <p:cNvSpPr/>
-            <p:nvPr/>
-          </p:nvSpPr>
-          <p:spPr>
-            <a:xfrm flipH="1">
-              <a:off x="4953000" y="2438400"/>
-              <a:ext cx="152400" cy="609600"/>
-            </a:xfrm>
-            <a:prstGeom prst="downArrow">
-              <a:avLst/>
-            </a:prstGeom>
-          </p:spPr>
-          <p:style>
-            <a:lnRef idx="2">
-              <a:schemeClr val="accent1">
-                <a:shade val="50000"/>
-              </a:schemeClr>
-            </a:lnRef>
-            <a:fillRef idx="1">
-              <a:schemeClr val="accent1"/>
-            </a:fillRef>
-            <a:effectRef idx="0">
-              <a:schemeClr val="accent1"/>
-            </a:effectRef>
-            <a:fontRef idx="minor">
-              <a:schemeClr val="lt1"/>
-            </a:fontRef>
-          </p:style>
-          <p:txBody>
-            <a:bodyPr rtlCol="0" anchor="ctr"/>
-            <a:lstStyle/>
-            <a:p>
-              <a:pPr algn="ctr"/>
-              <a:endParaRPr lang="en-US"/>
-            </a:p>
-          </p:txBody>
-        </p:sp>
-        <p:sp>
-          <p:nvSpPr>
-            <p:cNvPr id="27" name="Down Arrow 26"/>
-            <p:cNvSpPr/>
-            <p:nvPr/>
-          </p:nvSpPr>
-          <p:spPr>
-            <a:xfrm flipH="1">
-              <a:off x="4876800" y="3962400"/>
-              <a:ext cx="152400" cy="609600"/>
-            </a:xfrm>
-            <a:prstGeom prst="downArrow">
-              <a:avLst/>
-            </a:prstGeom>
-          </p:spPr>
-          <p:style>
-            <a:lnRef idx="2">
-              <a:schemeClr val="accent1">
-                <a:shade val="50000"/>
-              </a:schemeClr>
-            </a:lnRef>
-            <a:fillRef idx="1">
-              <a:schemeClr val="accent1"/>
-            </a:fillRef>
-            <a:effectRef idx="0">
-              <a:schemeClr val="accent1"/>
-            </a:effectRef>
-            <a:fontRef idx="minor">
-              <a:schemeClr val="lt1"/>
-            </a:fontRef>
-          </p:style>
-          <p:txBody>
-            <a:bodyPr rtlCol="0" anchor="ctr"/>
-            <a:lstStyle/>
-            <a:p>
-              <a:pPr algn="ctr"/>
-              <a:endParaRPr lang="en-US"/>
-            </a:p>
-          </p:txBody>
-        </p:sp>
-        <p:sp>
-          <p:nvSpPr>
-            <p:cNvPr id="28" name="Down Arrow 27"/>
-            <p:cNvSpPr/>
-            <p:nvPr/>
-          </p:nvSpPr>
-          <p:spPr>
-            <a:xfrm flipH="1">
-              <a:off x="4876800" y="5257800"/>
-              <a:ext cx="152400" cy="609600"/>
-            </a:xfrm>
-            <a:prstGeom prst="downArrow">
-              <a:avLst/>
-            </a:prstGeom>
-          </p:spPr>
-          <p:style>
-            <a:lnRef idx="2">
-              <a:schemeClr val="accent1">
-                <a:shade val="50000"/>
-              </a:schemeClr>
-            </a:lnRef>
-            <a:fillRef idx="1">
-              <a:schemeClr val="accent1"/>
-            </a:fillRef>
-            <a:effectRef idx="0">
-              <a:schemeClr val="accent1"/>
-            </a:effectRef>
-            <a:fontRef idx="minor">
-              <a:schemeClr val="lt1"/>
-            </a:fontRef>
-          </p:style>
-          <p:txBody>
-            <a:bodyPr rtlCol="0" anchor="ctr"/>
-            <a:lstStyle/>
-            <a:p>
-              <a:pPr algn="ctr"/>
-              <a:endParaRPr lang="en-US"/>
-            </a:p>
-          </p:txBody>
-        </p:sp>
-        <p:sp>
-          <p:nvSpPr>
-            <p:cNvPr id="29" name="Left Arrow 28"/>
-            <p:cNvSpPr/>
-            <p:nvPr/>
-          </p:nvSpPr>
-          <p:spPr>
-            <a:xfrm>
-              <a:off x="3581400" y="6172200"/>
-              <a:ext cx="762000" cy="152400"/>
-            </a:xfrm>
-            <a:prstGeom prst="leftArrow">
-              <a:avLst/>
-            </a:prstGeom>
-          </p:spPr>
-          <p:style>
-            <a:lnRef idx="2">
-              <a:schemeClr val="accent1">
-                <a:shade val="50000"/>
-              </a:schemeClr>
-            </a:lnRef>
-            <a:fillRef idx="1">
-              <a:schemeClr val="accent1"/>
-            </a:fillRef>
-            <a:effectRef idx="0">
-              <a:schemeClr val="accent1"/>
-            </a:effectRef>
-            <a:fontRef idx="minor">
-              <a:schemeClr val="lt1"/>
-            </a:fontRef>
-          </p:style>
-          <p:txBody>
-            <a:bodyPr rtlCol="0" anchor="ctr"/>
-            <a:lstStyle/>
-            <a:p>
-              <a:pPr algn="ctr"/>
-              <a:endParaRPr lang="en-US"/>
-            </a:p>
-          </p:txBody>
-        </p:sp>
-        <p:sp>
-          <p:nvSpPr>
-            <p:cNvPr id="30" name="Left Arrow 29"/>
-            <p:cNvSpPr/>
-            <p:nvPr/>
-          </p:nvSpPr>
-          <p:spPr>
-            <a:xfrm rot="1185014">
-              <a:off x="1542453" y="6052749"/>
-              <a:ext cx="685800" cy="228600"/>
-            </a:xfrm>
-            <a:prstGeom prst="leftArrow">
-              <a:avLst/>
-            </a:prstGeom>
-          </p:spPr>
-          <p:style>
-            <a:lnRef idx="2">
-              <a:schemeClr val="accent1">
-                <a:shade val="50000"/>
-              </a:schemeClr>
-            </a:lnRef>
-            <a:fillRef idx="1">
-              <a:schemeClr val="accent1"/>
-            </a:fillRef>
-            <a:effectRef idx="0">
-              <a:schemeClr val="accent1"/>
-            </a:effectRef>
-            <a:fontRef idx="minor">
-              <a:schemeClr val="lt1"/>
-            </a:fontRef>
-          </p:style>
-          <p:txBody>
-            <a:bodyPr rtlCol="0" anchor="ctr"/>
-            <a:lstStyle/>
-            <a:p>
-              <a:pPr algn="ctr"/>
-              <a:endParaRPr lang="en-US"/>
-            </a:p>
-          </p:txBody>
-        </p:sp>
-        <p:sp>
-          <p:nvSpPr>
-            <p:cNvPr id="31" name="Up Arrow 30"/>
-            <p:cNvSpPr/>
-            <p:nvPr/>
-          </p:nvSpPr>
-          <p:spPr>
-            <a:xfrm>
-              <a:off x="914400" y="4419600"/>
-              <a:ext cx="228600" cy="838200"/>
-            </a:xfrm>
-            <a:prstGeom prst="upArrow">
-              <a:avLst/>
-            </a:prstGeom>
-          </p:spPr>
-          <p:style>
-            <a:lnRef idx="2">
-              <a:schemeClr val="accent1">
-                <a:shade val="50000"/>
-              </a:schemeClr>
-            </a:lnRef>
-            <a:fillRef idx="1">
-              <a:schemeClr val="accent1"/>
-            </a:fillRef>
-            <a:effectRef idx="0">
-              <a:schemeClr val="accent1"/>
-            </a:effectRef>
-            <a:fontRef idx="minor">
-              <a:schemeClr val="lt1"/>
-            </a:fontRef>
-          </p:style>
-          <p:txBody>
-            <a:bodyPr rtlCol="0" anchor="ctr"/>
-            <a:lstStyle/>
-            <a:p>
-              <a:pPr algn="ctr"/>
-              <a:endParaRPr lang="en-US"/>
-            </a:p>
-          </p:txBody>
-        </p:sp>
-        <p:sp>
-          <p:nvSpPr>
-            <p:cNvPr id="32" name="Up Arrow 31"/>
-            <p:cNvSpPr/>
-            <p:nvPr/>
-          </p:nvSpPr>
-          <p:spPr>
-            <a:xfrm>
-              <a:off x="838200" y="2438400"/>
-              <a:ext cx="228600" cy="1295400"/>
-            </a:xfrm>
-            <a:prstGeom prst="upArrow">
-              <a:avLst/>
-            </a:prstGeom>
-          </p:spPr>
-          <p:style>
-            <a:lnRef idx="2">
-              <a:schemeClr val="accent1">
-                <a:shade val="50000"/>
-              </a:schemeClr>
-            </a:lnRef>
-            <a:fillRef idx="1">
-              <a:schemeClr val="accent1"/>
-            </a:fillRef>
-            <a:effectRef idx="0">
-              <a:schemeClr val="accent1"/>
-            </a:effectRef>
-            <a:fontRef idx="minor">
-              <a:schemeClr val="lt1"/>
-            </a:fontRef>
-          </p:style>
-          <p:txBody>
-            <a:bodyPr rtlCol="0" anchor="ctr"/>
-            <a:lstStyle/>
-            <a:p>
-              <a:pPr algn="ctr"/>
-              <a:endParaRPr lang="en-US"/>
-            </a:p>
-          </p:txBody>
-        </p:sp>
-        <p:sp>
-          <p:nvSpPr>
-            <p:cNvPr id="33" name="Left Arrow 32"/>
-            <p:cNvSpPr/>
-            <p:nvPr/>
-          </p:nvSpPr>
-          <p:spPr>
-            <a:xfrm>
-              <a:off x="1752600" y="3886200"/>
-              <a:ext cx="838200" cy="152400"/>
-            </a:xfrm>
-            <a:prstGeom prst="leftArrow">
-              <a:avLst/>
-            </a:prstGeom>
-          </p:spPr>
-          <p:style>
-            <a:lnRef idx="2">
-              <a:schemeClr val="accent1">
-                <a:shade val="50000"/>
-              </a:schemeClr>
-            </a:lnRef>
-            <a:fillRef idx="1">
-              <a:schemeClr val="accent1"/>
-            </a:fillRef>
-            <a:effectRef idx="0">
-              <a:schemeClr val="accent1"/>
-            </a:effectRef>
-            <a:fontRef idx="minor">
-              <a:schemeClr val="lt1"/>
-            </a:fontRef>
-          </p:style>
-          <p:txBody>
-            <a:bodyPr rtlCol="0" anchor="ctr"/>
-            <a:lstStyle/>
-            <a:p>
-              <a:pPr algn="ctr"/>
-              <a:endParaRPr lang="en-US"/>
-            </a:p>
-          </p:txBody>
-        </p:sp>
-        <p:sp>
-          <p:nvSpPr>
-            <p:cNvPr id="34" name="Down Arrow 33"/>
-            <p:cNvSpPr/>
-            <p:nvPr/>
-          </p:nvSpPr>
-          <p:spPr>
-            <a:xfrm>
-              <a:off x="7620000" y="2514600"/>
-              <a:ext cx="228600" cy="533400"/>
-            </a:xfrm>
-            <a:prstGeom prst="downArrow">
-              <a:avLst/>
-            </a:prstGeom>
-          </p:spPr>
-          <p:style>
-            <a:lnRef idx="2">
-              <a:schemeClr val="accent1">
-                <a:shade val="50000"/>
-              </a:schemeClr>
-            </a:lnRef>
-            <a:fillRef idx="1">
-              <a:schemeClr val="accent1"/>
-            </a:fillRef>
-            <a:effectRef idx="0">
-              <a:schemeClr val="accent1"/>
-            </a:effectRef>
-            <a:fontRef idx="minor">
-              <a:schemeClr val="lt1"/>
-            </a:fontRef>
-          </p:style>
-          <p:txBody>
-            <a:bodyPr rtlCol="0" anchor="ctr"/>
-            <a:lstStyle/>
-            <a:p>
-              <a:pPr algn="ctr"/>
-              <a:endParaRPr lang="en-US"/>
-            </a:p>
-          </p:txBody>
-        </p:sp>
-        <p:sp>
-          <p:nvSpPr>
-            <p:cNvPr id="35" name="Down Arrow 34"/>
-            <p:cNvSpPr/>
-            <p:nvPr/>
-          </p:nvSpPr>
-          <p:spPr>
-            <a:xfrm>
-              <a:off x="7543800" y="3886200"/>
-              <a:ext cx="228600" cy="533400"/>
-            </a:xfrm>
-            <a:prstGeom prst="downArrow">
-              <a:avLst/>
-            </a:prstGeom>
-          </p:spPr>
-          <p:style>
-            <a:lnRef idx="2">
-              <a:schemeClr val="accent1">
-                <a:shade val="50000"/>
-              </a:schemeClr>
-            </a:lnRef>
-            <a:fillRef idx="1">
-              <a:schemeClr val="accent1"/>
-            </a:fillRef>
-            <a:effectRef idx="0">
-              <a:schemeClr val="accent1"/>
-            </a:effectRef>
-            <a:fontRef idx="minor">
-              <a:schemeClr val="lt1"/>
-            </a:fontRef>
-          </p:style>
-          <p:txBody>
-            <a:bodyPr rtlCol="0" anchor="ctr"/>
-            <a:lstStyle/>
-            <a:p>
-              <a:pPr algn="ctr"/>
-              <a:endParaRPr lang="en-US"/>
-            </a:p>
-          </p:txBody>
-        </p:sp>
-        <p:sp>
-          <p:nvSpPr>
-            <p:cNvPr id="36" name="Down Arrow 35"/>
-            <p:cNvSpPr/>
-            <p:nvPr/>
-          </p:nvSpPr>
-          <p:spPr>
-            <a:xfrm>
-              <a:off x="7543800" y="5257800"/>
-              <a:ext cx="228600" cy="609600"/>
-            </a:xfrm>
-            <a:prstGeom prst="downArrow">
-              <a:avLst/>
-            </a:prstGeom>
-          </p:spPr>
-          <p:style>
-            <a:lnRef idx="2">
-              <a:schemeClr val="accent1">
-                <a:shade val="50000"/>
-              </a:schemeClr>
-            </a:lnRef>
-            <a:fillRef idx="1">
-              <a:schemeClr val="accent1"/>
-            </a:fillRef>
-            <a:effectRef idx="0">
-              <a:schemeClr val="accent1"/>
-            </a:effectRef>
-            <a:fontRef idx="minor">
-              <a:schemeClr val="lt1"/>
-            </a:fontRef>
-          </p:style>
-          <p:txBody>
-            <a:bodyPr rtlCol="0" anchor="ctr"/>
-            <a:lstStyle/>
-            <a:p>
-              <a:pPr algn="ctr"/>
-              <a:endParaRPr lang="en-US"/>
-            </a:p>
-          </p:txBody>
-        </p:sp>
-        <p:sp>
-          <p:nvSpPr>
-            <p:cNvPr id="37" name="Left Arrow 36"/>
-            <p:cNvSpPr/>
-            <p:nvPr/>
-          </p:nvSpPr>
-          <p:spPr>
-            <a:xfrm>
-              <a:off x="5638800" y="6096000"/>
+              <a:off x="5638800" y="4724400"/>
               <a:ext cx="1295400" cy="228600"/>
             </a:xfrm>
             <a:prstGeom prst="leftArrow">
-              <a:avLst/>
-            </a:prstGeom>
-          </p:spPr>
-          <p:style>
-            <a:lnRef idx="2">
-              <a:schemeClr val="accent1">
-                <a:shade val="50000"/>
-              </a:schemeClr>
-            </a:lnRef>
-            <a:fillRef idx="1">
-              <a:schemeClr val="accent1"/>
-            </a:fillRef>
-            <a:effectRef idx="0">
-              <a:schemeClr val="accent1"/>
-            </a:effectRef>
-            <a:fontRef idx="minor">
-              <a:schemeClr val="lt1"/>
-            </a:fontRef>
-          </p:style>
-          <p:txBody>
-            <a:bodyPr rtlCol="0" anchor="ctr"/>
-            <a:lstStyle/>
-            <a:p>
-              <a:pPr algn="ctr"/>
-              <a:endParaRPr lang="en-US"/>
-            </a:p>
-          </p:txBody>
-        </p:sp>
-        <p:sp>
-          <p:nvSpPr>
-            <p:cNvPr id="39" name="Cloud 38"/>
-            <p:cNvSpPr/>
-            <p:nvPr/>
-          </p:nvSpPr>
-          <p:spPr>
-            <a:xfrm>
-              <a:off x="2971800" y="152400"/>
-              <a:ext cx="1752600" cy="990600"/>
-            </a:xfrm>
-            <a:prstGeom prst="cloud">
-              <a:avLst/>
-            </a:prstGeom>
-            <a:noFill/>
-          </p:spPr>
-          <p:style>
-            <a:lnRef idx="2">
-              <a:schemeClr val="accent1">
-                <a:shade val="50000"/>
-              </a:schemeClr>
-            </a:lnRef>
-            <a:fillRef idx="1">
-              <a:schemeClr val="accent1"/>
-            </a:fillRef>
-            <a:effectRef idx="0">
-              <a:schemeClr val="accent1"/>
-            </a:effectRef>
-            <a:fontRef idx="minor">
-              <a:schemeClr val="lt1"/>
-            </a:fontRef>
-          </p:style>
-          <p:txBody>
-            <a:bodyPr rtlCol="0" anchor="ctr"/>
-            <a:lstStyle/>
-            <a:p>
-              <a:pPr algn="ctr"/>
-              <a:r>
-                <a:rPr lang="en-US" dirty="0" smtClean="0">
-                  <a:solidFill>
-                    <a:schemeClr val="tx1"/>
-                  </a:solidFill>
-                </a:rPr>
-                <a:t>Internet</a:t>
-              </a:r>
-              <a:endParaRPr lang="en-US" dirty="0">
-                <a:solidFill>
-                  <a:schemeClr val="tx1"/>
-                </a:solidFill>
-              </a:endParaRPr>
-            </a:p>
-          </p:txBody>
-        </p:sp>
-        <p:sp>
-          <p:nvSpPr>
-            <p:cNvPr id="44" name="Left-Right Arrow 43"/>
-            <p:cNvSpPr/>
-            <p:nvPr/>
-          </p:nvSpPr>
-          <p:spPr>
-            <a:xfrm rot="18988734">
-              <a:off x="2680780" y="1328858"/>
-              <a:ext cx="819287" cy="145748"/>
-            </a:xfrm>
-            <a:prstGeom prst="leftRightArrow">
               <a:avLst/>
             </a:prstGeom>
           </p:spPr>
